--- a/Figures.pptx
+++ b/Figures.pptx
@@ -6,6 +6,7 @@
   </p:sldMasterIdLst>
   <p:sldIdLst>
     <p:sldId id="257" r:id="rId2"/>
+    <p:sldId id="258" r:id="rId3"/>
   </p:sldIdLst>
   <p:sldSz cx="12192000" cy="6858000"/>
   <p:notesSz cx="6858000" cy="9144000"/>
@@ -104,6 +105,11 @@
       </a:defRPr>
     </a:lvl9pPr>
   </p:defaultTextStyle>
+  <p:extLst>
+    <p:ext uri="{EFAFB233-063F-42B5-8137-9DF3F51BA10A}">
+      <p15:sldGuideLst xmlns:p15="http://schemas.microsoft.com/office/powerpoint/2012/main"/>
+    </p:ext>
+  </p:extLst>
 </p:presentation>
 </file>
 
@@ -1055,6 +1061,13 @@
         </dgm:presLayoutVars>
       </dgm:prSet>
       <dgm:spPr/>
+      <dgm:t>
+        <a:bodyPr/>
+        <a:lstStyle/>
+        <a:p>
+          <a:endParaRPr lang="en-US"/>
+        </a:p>
+      </dgm:t>
     </dgm:pt>
     <dgm:pt modelId="{13CF0485-F205-42E0-80B8-D72191A69208}" type="pres">
       <dgm:prSet presAssocID="{7BA8BC98-7AF8-4E66-A711-5725736FB7D9}" presName="vertOne" presStyleCnt="0"/>
@@ -1094,6 +1107,13 @@
         </dgm:presLayoutVars>
       </dgm:prSet>
       <dgm:spPr/>
+      <dgm:t>
+        <a:bodyPr/>
+        <a:lstStyle/>
+        <a:p>
+          <a:endParaRPr lang="en-US"/>
+        </a:p>
+      </dgm:t>
     </dgm:pt>
     <dgm:pt modelId="{4E800202-B56F-4DC7-BDD9-1681FCC603A7}" type="pres">
       <dgm:prSet presAssocID="{E9D3AC48-FD54-4C0C-AD44-BC6E6047C89C}" presName="parTransTwo" presStyleCnt="0"/>
@@ -1114,6 +1134,13 @@
         </dgm:presLayoutVars>
       </dgm:prSet>
       <dgm:spPr/>
+      <dgm:t>
+        <a:bodyPr/>
+        <a:lstStyle/>
+        <a:p>
+          <a:endParaRPr lang="en-US"/>
+        </a:p>
+      </dgm:t>
     </dgm:pt>
     <dgm:pt modelId="{E4F1BDBA-4ECC-4881-BEBA-5CFA31AC1D0C}" type="pres">
       <dgm:prSet presAssocID="{A398DADB-0F79-4AD2-A5C9-C96FDEDC2D73}" presName="parTransThree" presStyleCnt="0"/>
@@ -1152,15 +1179,15 @@
     </dgm:pt>
   </dgm:ptLst>
   <dgm:cxnLst>
+    <dgm:cxn modelId="{596A7BC1-4C5F-45C7-B74F-AEABE947AC31}" srcId="{A398DADB-0F79-4AD2-A5C9-C96FDEDC2D73}" destId="{0CEC93F0-20CA-4CD6-8394-6BC530E7D878}" srcOrd="0" destOrd="0" parTransId="{E7E66FAA-C4BC-48D2-BFEF-C79A67E50C3D}" sibTransId="{6CED0363-AF4F-4AFF-BA1C-69422B7AA794}"/>
+    <dgm:cxn modelId="{4F6DE695-23F3-4D9C-AF99-5CA1F2D5A61A}" type="presOf" srcId="{A398DADB-0F79-4AD2-A5C9-C96FDEDC2D73}" destId="{70572151-0882-4BFC-969B-F1034E5AA264}" srcOrd="0" destOrd="0" presId="urn:microsoft.com/office/officeart/2005/8/layout/architecture"/>
     <dgm:cxn modelId="{E7B9C1DC-6805-4321-949A-6FCFEF93827C}" srcId="{57338EDA-95CF-4B1E-ADAE-CD9AF63C2388}" destId="{7BA8BC98-7AF8-4E66-A711-5725736FB7D9}" srcOrd="0" destOrd="0" parTransId="{5F5D993A-7BB0-4E72-B4A3-85A003235DC0}" sibTransId="{1B164868-FC7A-4EAF-A4AD-F95180469070}"/>
+    <dgm:cxn modelId="{153CDF2E-A7DF-469B-B583-4433EB967BE6}" type="presOf" srcId="{7BA8BC98-7AF8-4E66-A711-5725736FB7D9}" destId="{F7FA89BF-0FD0-4ECA-A037-E04F9894C8C4}" srcOrd="0" destOrd="0" presId="urn:microsoft.com/office/officeart/2005/8/layout/architecture"/>
+    <dgm:cxn modelId="{7E5BFE61-4302-4D1D-A047-6D5EDA64214E}" srcId="{7BA8BC98-7AF8-4E66-A711-5725736FB7D9}" destId="{E9D3AC48-FD54-4C0C-AD44-BC6E6047C89C}" srcOrd="0" destOrd="0" parTransId="{B7A90B14-1C05-4629-A797-13C48E2E23C4}" sibTransId="{7B9D4301-1888-4DF6-8860-B3A35A1BEE4D}"/>
+    <dgm:cxn modelId="{47D48BF0-6214-48D4-8A13-9514EAC4716B}" type="presOf" srcId="{57338EDA-95CF-4B1E-ADAE-CD9AF63C2388}" destId="{4323EBC6-737A-48C1-9A1B-4A8E68EBD340}" srcOrd="0" destOrd="0" presId="urn:microsoft.com/office/officeart/2005/8/layout/architecture"/>
     <dgm:cxn modelId="{2A257F27-232E-49FA-840C-64CB5CECCB2A}" type="presOf" srcId="{E9D3AC48-FD54-4C0C-AD44-BC6E6047C89C}" destId="{428010A3-E951-4D6A-B71F-8247957CB2CF}" srcOrd="0" destOrd="0" presId="urn:microsoft.com/office/officeart/2005/8/layout/architecture"/>
     <dgm:cxn modelId="{FFB06DD9-85BE-4805-9BFF-331399A47EA6}" type="presOf" srcId="{0CEC93F0-20CA-4CD6-8394-6BC530E7D878}" destId="{B28A3B46-99F3-4EAE-BCDE-D0748757AF00}" srcOrd="0" destOrd="0" presId="urn:microsoft.com/office/officeart/2005/8/layout/architecture"/>
     <dgm:cxn modelId="{E61BCE78-9C27-47D1-B483-CEFB18728DE5}" srcId="{E9D3AC48-FD54-4C0C-AD44-BC6E6047C89C}" destId="{A398DADB-0F79-4AD2-A5C9-C96FDEDC2D73}" srcOrd="0" destOrd="0" parTransId="{7AE9D26C-CEB7-433F-B7D2-B893F62176E8}" sibTransId="{4C8984DB-B85C-46AF-B86C-A6D8DCC5D348}"/>
-    <dgm:cxn modelId="{7E5BFE61-4302-4D1D-A047-6D5EDA64214E}" srcId="{7BA8BC98-7AF8-4E66-A711-5725736FB7D9}" destId="{E9D3AC48-FD54-4C0C-AD44-BC6E6047C89C}" srcOrd="0" destOrd="0" parTransId="{B7A90B14-1C05-4629-A797-13C48E2E23C4}" sibTransId="{7B9D4301-1888-4DF6-8860-B3A35A1BEE4D}"/>
-    <dgm:cxn modelId="{153CDF2E-A7DF-469B-B583-4433EB967BE6}" type="presOf" srcId="{7BA8BC98-7AF8-4E66-A711-5725736FB7D9}" destId="{F7FA89BF-0FD0-4ECA-A037-E04F9894C8C4}" srcOrd="0" destOrd="0" presId="urn:microsoft.com/office/officeart/2005/8/layout/architecture"/>
-    <dgm:cxn modelId="{596A7BC1-4C5F-45C7-B74F-AEABE947AC31}" srcId="{A398DADB-0F79-4AD2-A5C9-C96FDEDC2D73}" destId="{0CEC93F0-20CA-4CD6-8394-6BC530E7D878}" srcOrd="0" destOrd="0" parTransId="{E7E66FAA-C4BC-48D2-BFEF-C79A67E50C3D}" sibTransId="{6CED0363-AF4F-4AFF-BA1C-69422B7AA794}"/>
-    <dgm:cxn modelId="{47D48BF0-6214-48D4-8A13-9514EAC4716B}" type="presOf" srcId="{57338EDA-95CF-4B1E-ADAE-CD9AF63C2388}" destId="{4323EBC6-737A-48C1-9A1B-4A8E68EBD340}" srcOrd="0" destOrd="0" presId="urn:microsoft.com/office/officeart/2005/8/layout/architecture"/>
-    <dgm:cxn modelId="{4F6DE695-23F3-4D9C-AF99-5CA1F2D5A61A}" type="presOf" srcId="{A398DADB-0F79-4AD2-A5C9-C96FDEDC2D73}" destId="{70572151-0882-4BFC-969B-F1034E5AA264}" srcOrd="0" destOrd="0" presId="urn:microsoft.com/office/officeart/2005/8/layout/architecture"/>
     <dgm:cxn modelId="{BC2E0C3D-AEE6-4968-BC2B-AC4FED457E86}" type="presParOf" srcId="{4323EBC6-737A-48C1-9A1B-4A8E68EBD340}" destId="{13CF0485-F205-42E0-80B8-D72191A69208}" srcOrd="0" destOrd="0" presId="urn:microsoft.com/office/officeart/2005/8/layout/architecture"/>
     <dgm:cxn modelId="{9CFB80EA-6579-48DB-9662-EBCB9CB9694F}" type="presParOf" srcId="{13CF0485-F205-42E0-80B8-D72191A69208}" destId="{F7FA89BF-0FD0-4ECA-A037-E04F9894C8C4}" srcOrd="0" destOrd="0" presId="urn:microsoft.com/office/officeart/2005/8/layout/architecture"/>
     <dgm:cxn modelId="{D6B4DD8D-3C59-495F-96B2-B9A303A246EC}" type="presParOf" srcId="{13CF0485-F205-42E0-80B8-D72191A69208}" destId="{A61CB5DF-6F36-44AB-B65F-E67D7DD87AE1}" srcOrd="1" destOrd="0" presId="urn:microsoft.com/office/officeart/2005/8/layout/architecture"/>
@@ -3223,7 +3250,7 @@
           <a:p>
             <a:fld id="{B26FA5D4-0961-4AEE-B603-5A3B1DB4BBA9}" type="datetimeFigureOut">
               <a:rPr lang="en-US" smtClean="0"/>
-              <a:t>6/26/2016</a:t>
+              <a:t>6/27/2016</a:t>
             </a:fld>
             <a:endParaRPr lang="en-US"/>
           </a:p>
@@ -3393,7 +3420,7 @@
           <a:p>
             <a:fld id="{B26FA5D4-0961-4AEE-B603-5A3B1DB4BBA9}" type="datetimeFigureOut">
               <a:rPr lang="en-US" smtClean="0"/>
-              <a:t>6/26/2016</a:t>
+              <a:t>6/27/2016</a:t>
             </a:fld>
             <a:endParaRPr lang="en-US"/>
           </a:p>
@@ -3573,7 +3600,7 @@
           <a:p>
             <a:fld id="{B26FA5D4-0961-4AEE-B603-5A3B1DB4BBA9}" type="datetimeFigureOut">
               <a:rPr lang="en-US" smtClean="0"/>
-              <a:t>6/26/2016</a:t>
+              <a:t>6/27/2016</a:t>
             </a:fld>
             <a:endParaRPr lang="en-US"/>
           </a:p>
@@ -3743,7 +3770,7 @@
           <a:p>
             <a:fld id="{B26FA5D4-0961-4AEE-B603-5A3B1DB4BBA9}" type="datetimeFigureOut">
               <a:rPr lang="en-US" smtClean="0"/>
-              <a:t>6/26/2016</a:t>
+              <a:t>6/27/2016</a:t>
             </a:fld>
             <a:endParaRPr lang="en-US"/>
           </a:p>
@@ -3989,7 +4016,7 @@
           <a:p>
             <a:fld id="{B26FA5D4-0961-4AEE-B603-5A3B1DB4BBA9}" type="datetimeFigureOut">
               <a:rPr lang="en-US" smtClean="0"/>
-              <a:t>6/26/2016</a:t>
+              <a:t>6/27/2016</a:t>
             </a:fld>
             <a:endParaRPr lang="en-US"/>
           </a:p>
@@ -4221,7 +4248,7 @@
           <a:p>
             <a:fld id="{B26FA5D4-0961-4AEE-B603-5A3B1DB4BBA9}" type="datetimeFigureOut">
               <a:rPr lang="en-US" smtClean="0"/>
-              <a:t>6/26/2016</a:t>
+              <a:t>6/27/2016</a:t>
             </a:fld>
             <a:endParaRPr lang="en-US"/>
           </a:p>
@@ -4588,7 +4615,7 @@
           <a:p>
             <a:fld id="{B26FA5D4-0961-4AEE-B603-5A3B1DB4BBA9}" type="datetimeFigureOut">
               <a:rPr lang="en-US" smtClean="0"/>
-              <a:t>6/26/2016</a:t>
+              <a:t>6/27/2016</a:t>
             </a:fld>
             <a:endParaRPr lang="en-US"/>
           </a:p>
@@ -4706,7 +4733,7 @@
           <a:p>
             <a:fld id="{B26FA5D4-0961-4AEE-B603-5A3B1DB4BBA9}" type="datetimeFigureOut">
               <a:rPr lang="en-US" smtClean="0"/>
-              <a:t>6/26/2016</a:t>
+              <a:t>6/27/2016</a:t>
             </a:fld>
             <a:endParaRPr lang="en-US"/>
           </a:p>
@@ -4801,7 +4828,7 @@
           <a:p>
             <a:fld id="{B26FA5D4-0961-4AEE-B603-5A3B1DB4BBA9}" type="datetimeFigureOut">
               <a:rPr lang="en-US" smtClean="0"/>
-              <a:t>6/26/2016</a:t>
+              <a:t>6/27/2016</a:t>
             </a:fld>
             <a:endParaRPr lang="en-US"/>
           </a:p>
@@ -5078,7 +5105,7 @@
           <a:p>
             <a:fld id="{B26FA5D4-0961-4AEE-B603-5A3B1DB4BBA9}" type="datetimeFigureOut">
               <a:rPr lang="en-US" smtClean="0"/>
-              <a:t>6/26/2016</a:t>
+              <a:t>6/27/2016</a:t>
             </a:fld>
             <a:endParaRPr lang="en-US"/>
           </a:p>
@@ -5331,7 +5358,7 @@
           <a:p>
             <a:fld id="{B26FA5D4-0961-4AEE-B603-5A3B1DB4BBA9}" type="datetimeFigureOut">
               <a:rPr lang="en-US" smtClean="0"/>
-              <a:t>6/26/2016</a:t>
+              <a:t>6/27/2016</a:t>
             </a:fld>
             <a:endParaRPr lang="en-US"/>
           </a:p>
@@ -5544,7 +5571,7 @@
           <a:p>
             <a:fld id="{B26FA5D4-0961-4AEE-B603-5A3B1DB4BBA9}" type="datetimeFigureOut">
               <a:rPr lang="en-US" smtClean="0"/>
-              <a:t>6/26/2016</a:t>
+              <a:t>6/27/2016</a:t>
             </a:fld>
             <a:endParaRPr lang="en-US"/>
           </a:p>
@@ -6090,6 +6117,250 @@
 </p:sld>
 </file>
 
+<file path=ppt/slides/slide2.xml><?xml version="1.0" encoding="utf-8"?>
+<p:sld xmlns:a="http://schemas.openxmlformats.org/drawingml/2006/main" xmlns:r="http://schemas.openxmlformats.org/officeDocument/2006/relationships" xmlns:p="http://schemas.openxmlformats.org/presentationml/2006/main">
+  <p:cSld>
+    <p:spTree>
+      <p:nvGrpSpPr>
+        <p:cNvPr id="1" name=""/>
+        <p:cNvGrpSpPr/>
+        <p:nvPr/>
+      </p:nvGrpSpPr>
+      <p:grpSpPr>
+        <a:xfrm>
+          <a:off x="0" y="0"/>
+          <a:ext cx="0" cy="0"/>
+          <a:chOff x="0" y="0"/>
+          <a:chExt cx="0" cy="0"/>
+        </a:xfrm>
+      </p:grpSpPr>
+      <p:pic>
+        <p:nvPicPr>
+          <p:cNvPr id="4" name="Content Placeholder 3"/>
+          <p:cNvPicPr>
+            <a:picLocks noGrp="1" noChangeAspect="1"/>
+          </p:cNvPicPr>
+          <p:nvPr>
+            <p:ph idx="1"/>
+          </p:nvPr>
+        </p:nvPicPr>
+        <p:blipFill>
+          <a:blip r:embed="rId2">
+            <a:extLst>
+              <a:ext uri="{28A0092B-C50C-407E-A947-70E740481C1C}">
+                <a14:useLocalDpi xmlns:a14="http://schemas.microsoft.com/office/drawing/2010/main" val="0"/>
+              </a:ext>
+            </a:extLst>
+          </a:blip>
+          <a:stretch>
+            <a:fillRect/>
+          </a:stretch>
+        </p:blipFill>
+        <p:spPr>
+          <a:xfrm>
+            <a:off x="639415" y="2129246"/>
+            <a:ext cx="11418958" cy="2548209"/>
+          </a:xfrm>
+        </p:spPr>
+      </p:pic>
+      <p:sp>
+        <p:nvSpPr>
+          <p:cNvPr id="6" name="TextBox 5"/>
+          <p:cNvSpPr txBox="1"/>
+          <p:nvPr/>
+        </p:nvSpPr>
+        <p:spPr>
+          <a:xfrm>
+            <a:off x="1045028" y="2541200"/>
+            <a:ext cx="1489165" cy="830997"/>
+          </a:xfrm>
+          <a:prstGeom prst="rect">
+            <a:avLst/>
+          </a:prstGeom>
+          <a:solidFill>
+            <a:schemeClr val="bg1"/>
+          </a:solidFill>
+        </p:spPr>
+        <p:txBody>
+          <a:bodyPr wrap="square" rtlCol="0">
+            <a:spAutoFit/>
+          </a:bodyPr>
+          <a:lstStyle/>
+          <a:p>
+            <a:pPr algn="ctr"/>
+            <a:r>
+              <a:rPr lang="fa-IR" sz="2400" b="1" dirty="0" smtClean="0">
+                <a:cs typeface="B Nazanin" panose="00000400000000000000" pitchFamily="2" charset="-78"/>
+              </a:rPr>
+              <a:t>جریان‌داده‌ی ورودی</a:t>
+            </a:r>
+            <a:endParaRPr lang="en-US" sz="2400" b="1" dirty="0">
+              <a:cs typeface="B Nazanin" panose="00000400000000000000" pitchFamily="2" charset="-78"/>
+            </a:endParaRPr>
+          </a:p>
+        </p:txBody>
+      </p:sp>
+      <p:sp>
+        <p:nvSpPr>
+          <p:cNvPr id="7" name="TextBox 6"/>
+          <p:cNvSpPr txBox="1"/>
+          <p:nvPr/>
+        </p:nvSpPr>
+        <p:spPr>
+          <a:xfrm>
+            <a:off x="2992057" y="2968869"/>
+            <a:ext cx="1997954" cy="1077218"/>
+          </a:xfrm>
+          <a:prstGeom prst="rect">
+            <a:avLst/>
+          </a:prstGeom>
+          <a:solidFill>
+            <a:schemeClr val="bg1"/>
+          </a:solidFill>
+        </p:spPr>
+        <p:txBody>
+          <a:bodyPr wrap="square" rtlCol="0">
+            <a:spAutoFit/>
+          </a:bodyPr>
+          <a:lstStyle/>
+          <a:p>
+            <a:pPr algn="ctr" rtl="1"/>
+            <a:r>
+              <a:rPr lang="fa-IR" sz="3200" b="1" dirty="0" smtClean="0">
+                <a:cs typeface="B Nazanin" panose="00000400000000000000" pitchFamily="2" charset="-78"/>
+              </a:rPr>
+              <a:t>اسپارک استریمینگ</a:t>
+            </a:r>
+            <a:endParaRPr lang="en-US" sz="3200" b="1" dirty="0">
+              <a:cs typeface="B Nazanin" panose="00000400000000000000" pitchFamily="2" charset="-78"/>
+            </a:endParaRPr>
+          </a:p>
+        </p:txBody>
+      </p:sp>
+      <p:sp>
+        <p:nvSpPr>
+          <p:cNvPr id="8" name="TextBox 7"/>
+          <p:cNvSpPr txBox="1"/>
+          <p:nvPr/>
+        </p:nvSpPr>
+        <p:spPr>
+          <a:xfrm>
+            <a:off x="5238206" y="2534197"/>
+            <a:ext cx="1828800" cy="830997"/>
+          </a:xfrm>
+          <a:prstGeom prst="rect">
+            <a:avLst/>
+          </a:prstGeom>
+          <a:solidFill>
+            <a:schemeClr val="bg1"/>
+          </a:solidFill>
+        </p:spPr>
+        <p:txBody>
+          <a:bodyPr wrap="square" rtlCol="0">
+            <a:spAutoFit/>
+          </a:bodyPr>
+          <a:lstStyle/>
+          <a:p>
+            <a:pPr algn="ctr"/>
+            <a:r>
+              <a:rPr lang="fa-IR" sz="2400" b="1" dirty="0" smtClean="0">
+                <a:cs typeface="B Nazanin" panose="00000400000000000000" pitchFamily="2" charset="-78"/>
+              </a:rPr>
+              <a:t>دسته‌های داده‌های ورودی</a:t>
+            </a:r>
+            <a:endParaRPr lang="en-US" sz="2400" b="1" dirty="0">
+              <a:cs typeface="B Nazanin" panose="00000400000000000000" pitchFamily="2" charset="-78"/>
+            </a:endParaRPr>
+          </a:p>
+        </p:txBody>
+      </p:sp>
+      <p:sp>
+        <p:nvSpPr>
+          <p:cNvPr id="9" name="TextBox 8"/>
+          <p:cNvSpPr txBox="1"/>
+          <p:nvPr/>
+        </p:nvSpPr>
+        <p:spPr>
+          <a:xfrm>
+            <a:off x="7315201" y="2970849"/>
+            <a:ext cx="1723633" cy="1077218"/>
+          </a:xfrm>
+          <a:prstGeom prst="rect">
+            <a:avLst/>
+          </a:prstGeom>
+          <a:solidFill>
+            <a:schemeClr val="bg1"/>
+          </a:solidFill>
+        </p:spPr>
+        <p:txBody>
+          <a:bodyPr wrap="square" rtlCol="0">
+            <a:spAutoFit/>
+          </a:bodyPr>
+          <a:lstStyle/>
+          <a:p>
+            <a:pPr algn="ctr" rtl="1"/>
+            <a:r>
+              <a:rPr lang="fa-IR" sz="3200" b="1" dirty="0" smtClean="0">
+                <a:cs typeface="B Nazanin" panose="00000400000000000000" pitchFamily="2" charset="-78"/>
+              </a:rPr>
+              <a:t>موتور اسپارک</a:t>
+            </a:r>
+            <a:endParaRPr lang="en-US" sz="3200" b="1" dirty="0">
+              <a:cs typeface="B Nazanin" panose="00000400000000000000" pitchFamily="2" charset="-78"/>
+            </a:endParaRPr>
+          </a:p>
+        </p:txBody>
+      </p:sp>
+      <p:sp>
+        <p:nvSpPr>
+          <p:cNvPr id="10" name="TextBox 9"/>
+          <p:cNvSpPr txBox="1"/>
+          <p:nvPr/>
+        </p:nvSpPr>
+        <p:spPr>
+          <a:xfrm>
+            <a:off x="9222861" y="2588395"/>
+            <a:ext cx="2215160" cy="830997"/>
+          </a:xfrm>
+          <a:prstGeom prst="rect">
+            <a:avLst/>
+          </a:prstGeom>
+          <a:solidFill>
+            <a:schemeClr val="bg1"/>
+          </a:solidFill>
+        </p:spPr>
+        <p:txBody>
+          <a:bodyPr wrap="square" rtlCol="0">
+            <a:spAutoFit/>
+          </a:bodyPr>
+          <a:lstStyle/>
+          <a:p>
+            <a:pPr algn="ctr" rtl="1"/>
+            <a:r>
+              <a:rPr lang="fa-IR" sz="2400" b="1" dirty="0" smtClean="0">
+                <a:cs typeface="B Nazanin" panose="00000400000000000000" pitchFamily="2" charset="-78"/>
+              </a:rPr>
+              <a:t>دسته‌های داده‌های پردازش‌شده</a:t>
+            </a:r>
+            <a:endParaRPr lang="en-US" sz="2400" b="1" dirty="0">
+              <a:cs typeface="B Nazanin" panose="00000400000000000000" pitchFamily="2" charset="-78"/>
+            </a:endParaRPr>
+          </a:p>
+        </p:txBody>
+      </p:sp>
+    </p:spTree>
+    <p:extLst>
+      <p:ext uri="{BB962C8B-B14F-4D97-AF65-F5344CB8AC3E}">
+        <p14:creationId xmlns:p14="http://schemas.microsoft.com/office/powerpoint/2010/main" val="1316890103"/>
+      </p:ext>
+    </p:extLst>
+  </p:cSld>
+  <p:clrMapOvr>
+    <a:masterClrMapping/>
+  </p:clrMapOvr>
+</p:sld>
+</file>
+
 <file path=ppt/theme/theme1.xml><?xml version="1.0" encoding="utf-8"?>
 <a:theme xmlns:a="http://schemas.openxmlformats.org/drawingml/2006/main" name="Office Theme">
   <a:themeElements>

--- a/Figures.pptx
+++ b/Figures.pptx
@@ -7,6 +7,7 @@
   <p:sldIdLst>
     <p:sldId id="257" r:id="rId2"/>
     <p:sldId id="258" r:id="rId3"/>
+    <p:sldId id="259" r:id="rId4"/>
   </p:sldIdLst>
   <p:sldSz cx="12192000" cy="6858000"/>
   <p:notesSz cx="6858000" cy="9144000"/>
@@ -827,6 +828,788 @@
     <dgm:fillClrLst meth="repeat">
       <a:schemeClr val="accent1">
         <a:tint val="60000"/>
+      </a:schemeClr>
+    </dgm:fillClrLst>
+    <dgm:linClrLst meth="repeat">
+      <a:schemeClr val="lt1"/>
+    </dgm:linClrLst>
+    <dgm:effectClrLst/>
+    <dgm:txLinClrLst/>
+    <dgm:txFillClrLst meth="repeat">
+      <a:schemeClr val="dk1"/>
+    </dgm:txFillClrLst>
+    <dgm:txEffectClrLst/>
+  </dgm:styleLbl>
+  <dgm:styleLbl name="revTx">
+    <dgm:fillClrLst meth="repeat">
+      <a:schemeClr val="lt1">
+        <a:alpha val="0"/>
+      </a:schemeClr>
+    </dgm:fillClrLst>
+    <dgm:linClrLst meth="repeat">
+      <a:schemeClr val="dk1">
+        <a:alpha val="0"/>
+      </a:schemeClr>
+    </dgm:linClrLst>
+    <dgm:effectClrLst/>
+    <dgm:txLinClrLst/>
+    <dgm:txFillClrLst meth="repeat">
+      <a:schemeClr val="tx1"/>
+    </dgm:txFillClrLst>
+    <dgm:txEffectClrLst/>
+  </dgm:styleLbl>
+</dgm:colorsDef>
+</file>
+
+<file path=ppt/diagrams/colors2.xml><?xml version="1.0" encoding="utf-8"?>
+<dgm:colorsDef xmlns:dgm="http://schemas.openxmlformats.org/drawingml/2006/diagram" xmlns:a="http://schemas.openxmlformats.org/drawingml/2006/main" uniqueId="urn:microsoft.com/office/officeart/2005/8/colors/colorful3">
+  <dgm:title val=""/>
+  <dgm:desc val=""/>
+  <dgm:catLst>
+    <dgm:cat type="colorful" pri="10300"/>
+  </dgm:catLst>
+  <dgm:styleLbl name="node0">
+    <dgm:fillClrLst meth="repeat">
+      <a:schemeClr val="accent2"/>
+    </dgm:fillClrLst>
+    <dgm:linClrLst meth="repeat">
+      <a:schemeClr val="lt1"/>
+    </dgm:linClrLst>
+    <dgm:effectClrLst/>
+    <dgm:txLinClrLst/>
+    <dgm:txFillClrLst/>
+    <dgm:txEffectClrLst/>
+  </dgm:styleLbl>
+  <dgm:styleLbl name="node1">
+    <dgm:fillClrLst>
+      <a:schemeClr val="accent3"/>
+      <a:schemeClr val="accent4"/>
+    </dgm:fillClrLst>
+    <dgm:linClrLst meth="repeat">
+      <a:schemeClr val="lt1"/>
+    </dgm:linClrLst>
+    <dgm:effectClrLst/>
+    <dgm:txLinClrLst/>
+    <dgm:txFillClrLst/>
+    <dgm:txEffectClrLst/>
+  </dgm:styleLbl>
+  <dgm:styleLbl name="alignNode1">
+    <dgm:fillClrLst>
+      <a:schemeClr val="accent3"/>
+      <a:schemeClr val="accent4"/>
+    </dgm:fillClrLst>
+    <dgm:linClrLst>
+      <a:schemeClr val="accent3"/>
+      <a:schemeClr val="accent4"/>
+    </dgm:linClrLst>
+    <dgm:effectClrLst/>
+    <dgm:txLinClrLst/>
+    <dgm:txFillClrLst/>
+    <dgm:txEffectClrLst/>
+  </dgm:styleLbl>
+  <dgm:styleLbl name="lnNode1">
+    <dgm:fillClrLst>
+      <a:schemeClr val="accent3"/>
+      <a:schemeClr val="accent4"/>
+    </dgm:fillClrLst>
+    <dgm:linClrLst meth="repeat">
+      <a:schemeClr val="lt1"/>
+    </dgm:linClrLst>
+    <dgm:effectClrLst/>
+    <dgm:txLinClrLst/>
+    <dgm:txFillClrLst/>
+    <dgm:txEffectClrLst/>
+  </dgm:styleLbl>
+  <dgm:styleLbl name="vennNode1">
+    <dgm:fillClrLst>
+      <a:schemeClr val="accent3">
+        <a:alpha val="50000"/>
+      </a:schemeClr>
+      <a:schemeClr val="accent4">
+        <a:alpha val="50000"/>
+      </a:schemeClr>
+    </dgm:fillClrLst>
+    <dgm:linClrLst meth="repeat">
+      <a:schemeClr val="lt1"/>
+    </dgm:linClrLst>
+    <dgm:effectClrLst/>
+    <dgm:txLinClrLst/>
+    <dgm:txFillClrLst/>
+    <dgm:txEffectClrLst/>
+  </dgm:styleLbl>
+  <dgm:styleLbl name="node2">
+    <dgm:fillClrLst>
+      <a:schemeClr val="accent4"/>
+    </dgm:fillClrLst>
+    <dgm:linClrLst meth="repeat">
+      <a:schemeClr val="lt1"/>
+    </dgm:linClrLst>
+    <dgm:effectClrLst/>
+    <dgm:txLinClrLst/>
+    <dgm:txFillClrLst/>
+    <dgm:txEffectClrLst/>
+  </dgm:styleLbl>
+  <dgm:styleLbl name="node3">
+    <dgm:fillClrLst>
+      <a:schemeClr val="accent5"/>
+    </dgm:fillClrLst>
+    <dgm:linClrLst meth="repeat">
+      <a:schemeClr val="lt1"/>
+    </dgm:linClrLst>
+    <dgm:effectClrLst/>
+    <dgm:txLinClrLst/>
+    <dgm:txFillClrLst/>
+    <dgm:txEffectClrLst/>
+  </dgm:styleLbl>
+  <dgm:styleLbl name="node4">
+    <dgm:fillClrLst>
+      <a:schemeClr val="accent6"/>
+    </dgm:fillClrLst>
+    <dgm:linClrLst meth="repeat">
+      <a:schemeClr val="lt1"/>
+    </dgm:linClrLst>
+    <dgm:effectClrLst/>
+    <dgm:txLinClrLst/>
+    <dgm:txFillClrLst/>
+    <dgm:txEffectClrLst/>
+  </dgm:styleLbl>
+  <dgm:styleLbl name="fgImgPlace1">
+    <dgm:fillClrLst>
+      <a:schemeClr val="accent3">
+        <a:tint val="50000"/>
+      </a:schemeClr>
+      <a:schemeClr val="accent4">
+        <a:tint val="50000"/>
+      </a:schemeClr>
+    </dgm:fillClrLst>
+    <dgm:linClrLst meth="repeat">
+      <a:schemeClr val="lt1"/>
+    </dgm:linClrLst>
+    <dgm:effectClrLst/>
+    <dgm:txLinClrLst/>
+    <dgm:txFillClrLst meth="repeat">
+      <a:schemeClr val="lt1"/>
+    </dgm:txFillClrLst>
+    <dgm:txEffectClrLst/>
+  </dgm:styleLbl>
+  <dgm:styleLbl name="alignImgPlace1">
+    <dgm:fillClrLst>
+      <a:schemeClr val="accent3">
+        <a:tint val="50000"/>
+      </a:schemeClr>
+      <a:schemeClr val="accent4">
+        <a:tint val="20000"/>
+      </a:schemeClr>
+    </dgm:fillClrLst>
+    <dgm:linClrLst meth="repeat">
+      <a:schemeClr val="lt1"/>
+    </dgm:linClrLst>
+    <dgm:effectClrLst/>
+    <dgm:txLinClrLst/>
+    <dgm:txFillClrLst meth="repeat">
+      <a:schemeClr val="lt1"/>
+    </dgm:txFillClrLst>
+    <dgm:txEffectClrLst/>
+  </dgm:styleLbl>
+  <dgm:styleLbl name="bgImgPlace1">
+    <dgm:fillClrLst>
+      <a:schemeClr val="accent3">
+        <a:tint val="50000"/>
+      </a:schemeClr>
+      <a:schemeClr val="accent4">
+        <a:tint val="20000"/>
+      </a:schemeClr>
+    </dgm:fillClrLst>
+    <dgm:linClrLst meth="repeat">
+      <a:schemeClr val="lt1"/>
+    </dgm:linClrLst>
+    <dgm:effectClrLst/>
+    <dgm:txLinClrLst/>
+    <dgm:txFillClrLst meth="repeat">
+      <a:schemeClr val="lt1"/>
+    </dgm:txFillClrLst>
+    <dgm:txEffectClrLst/>
+  </dgm:styleLbl>
+  <dgm:styleLbl name="sibTrans2D1">
+    <dgm:fillClrLst>
+      <a:schemeClr val="accent3"/>
+      <a:schemeClr val="accent4"/>
+    </dgm:fillClrLst>
+    <dgm:linClrLst meth="repeat">
+      <a:schemeClr val="lt1"/>
+    </dgm:linClrLst>
+    <dgm:effectClrLst/>
+    <dgm:txLinClrLst/>
+    <dgm:txFillClrLst/>
+    <dgm:txEffectClrLst/>
+  </dgm:styleLbl>
+  <dgm:styleLbl name="fgSibTrans2D1">
+    <dgm:fillClrLst>
+      <a:schemeClr val="accent3"/>
+      <a:schemeClr val="accent4"/>
+    </dgm:fillClrLst>
+    <dgm:linClrLst meth="repeat">
+      <a:schemeClr val="lt1"/>
+    </dgm:linClrLst>
+    <dgm:effectClrLst/>
+    <dgm:txLinClrLst/>
+    <dgm:txFillClrLst meth="repeat">
+      <a:schemeClr val="lt1"/>
+    </dgm:txFillClrLst>
+    <dgm:txEffectClrLst/>
+  </dgm:styleLbl>
+  <dgm:styleLbl name="bgSibTrans2D1">
+    <dgm:fillClrLst>
+      <a:schemeClr val="accent3"/>
+      <a:schemeClr val="accent4"/>
+    </dgm:fillClrLst>
+    <dgm:linClrLst meth="repeat">
+      <a:schemeClr val="lt1"/>
+    </dgm:linClrLst>
+    <dgm:effectClrLst/>
+    <dgm:txLinClrLst/>
+    <dgm:txFillClrLst meth="repeat">
+      <a:schemeClr val="lt1"/>
+    </dgm:txFillClrLst>
+    <dgm:txEffectClrLst/>
+  </dgm:styleLbl>
+  <dgm:styleLbl name="sibTrans1D1">
+    <dgm:fillClrLst/>
+    <dgm:linClrLst>
+      <a:schemeClr val="accent3"/>
+      <a:schemeClr val="accent4"/>
+    </dgm:linClrLst>
+    <dgm:effectClrLst/>
+    <dgm:txLinClrLst/>
+    <dgm:txFillClrLst meth="repeat">
+      <a:schemeClr val="tx1"/>
+    </dgm:txFillClrLst>
+    <dgm:txEffectClrLst/>
+  </dgm:styleLbl>
+  <dgm:styleLbl name="callout">
+    <dgm:fillClrLst meth="repeat">
+      <a:schemeClr val="accent3"/>
+    </dgm:fillClrLst>
+    <dgm:linClrLst meth="repeat">
+      <a:schemeClr val="accent3">
+        <a:tint val="50000"/>
+      </a:schemeClr>
+    </dgm:linClrLst>
+    <dgm:effectClrLst/>
+    <dgm:txLinClrLst/>
+    <dgm:txFillClrLst meth="repeat">
+      <a:schemeClr val="tx1"/>
+    </dgm:txFillClrLst>
+    <dgm:txEffectClrLst/>
+  </dgm:styleLbl>
+  <dgm:styleLbl name="asst0">
+    <dgm:fillClrLst meth="repeat">
+      <a:schemeClr val="accent3"/>
+    </dgm:fillClrLst>
+    <dgm:linClrLst meth="repeat">
+      <a:schemeClr val="lt1">
+        <a:shade val="80000"/>
+      </a:schemeClr>
+    </dgm:linClrLst>
+    <dgm:effectClrLst/>
+    <dgm:txLinClrLst/>
+    <dgm:txFillClrLst/>
+    <dgm:txEffectClrLst/>
+  </dgm:styleLbl>
+  <dgm:styleLbl name="asst1">
+    <dgm:fillClrLst meth="repeat">
+      <a:schemeClr val="accent4"/>
+    </dgm:fillClrLst>
+    <dgm:linClrLst meth="repeat">
+      <a:schemeClr val="lt1">
+        <a:shade val="80000"/>
+      </a:schemeClr>
+    </dgm:linClrLst>
+    <dgm:effectClrLst/>
+    <dgm:txLinClrLst/>
+    <dgm:txFillClrLst/>
+    <dgm:txEffectClrLst/>
+  </dgm:styleLbl>
+  <dgm:styleLbl name="asst2">
+    <dgm:fillClrLst>
+      <a:schemeClr val="accent5"/>
+    </dgm:fillClrLst>
+    <dgm:linClrLst meth="repeat">
+      <a:schemeClr val="lt1"/>
+    </dgm:linClrLst>
+    <dgm:effectClrLst/>
+    <dgm:txLinClrLst/>
+    <dgm:txFillClrLst/>
+    <dgm:txEffectClrLst/>
+  </dgm:styleLbl>
+  <dgm:styleLbl name="asst3">
+    <dgm:fillClrLst>
+      <a:schemeClr val="accent6"/>
+    </dgm:fillClrLst>
+    <dgm:linClrLst meth="repeat">
+      <a:schemeClr val="lt1"/>
+    </dgm:linClrLst>
+    <dgm:effectClrLst/>
+    <dgm:txLinClrLst/>
+    <dgm:txFillClrLst/>
+    <dgm:txEffectClrLst/>
+  </dgm:styleLbl>
+  <dgm:styleLbl name="asst4">
+    <dgm:fillClrLst>
+      <a:schemeClr val="accent1"/>
+    </dgm:fillClrLst>
+    <dgm:linClrLst meth="repeat">
+      <a:schemeClr val="lt1"/>
+    </dgm:linClrLst>
+    <dgm:effectClrLst/>
+    <dgm:txLinClrLst/>
+    <dgm:txFillClrLst/>
+    <dgm:txEffectClrLst/>
+  </dgm:styleLbl>
+  <dgm:styleLbl name="parChTrans2D1">
+    <dgm:fillClrLst meth="repeat">
+      <a:schemeClr val="accent2"/>
+    </dgm:fillClrLst>
+    <dgm:linClrLst meth="repeat">
+      <a:schemeClr val="lt1"/>
+    </dgm:linClrLst>
+    <dgm:effectClrLst/>
+    <dgm:txLinClrLst/>
+    <dgm:txFillClrLst meth="repeat">
+      <a:schemeClr val="lt1"/>
+    </dgm:txFillClrLst>
+    <dgm:txEffectClrLst/>
+  </dgm:styleLbl>
+  <dgm:styleLbl name="parChTrans2D2">
+    <dgm:fillClrLst meth="repeat">
+      <a:schemeClr val="accent3"/>
+    </dgm:fillClrLst>
+    <dgm:linClrLst meth="repeat">
+      <a:schemeClr val="lt1"/>
+    </dgm:linClrLst>
+    <dgm:effectClrLst/>
+    <dgm:txLinClrLst/>
+    <dgm:txFillClrLst/>
+    <dgm:txEffectClrLst/>
+  </dgm:styleLbl>
+  <dgm:styleLbl name="parChTrans2D3">
+    <dgm:fillClrLst meth="repeat">
+      <a:schemeClr val="accent4"/>
+    </dgm:fillClrLst>
+    <dgm:linClrLst meth="repeat">
+      <a:schemeClr val="lt1"/>
+    </dgm:linClrLst>
+    <dgm:effectClrLst/>
+    <dgm:txLinClrLst/>
+    <dgm:txFillClrLst/>
+    <dgm:txEffectClrLst/>
+  </dgm:styleLbl>
+  <dgm:styleLbl name="parChTrans2D4">
+    <dgm:fillClrLst meth="repeat">
+      <a:schemeClr val="accent5"/>
+    </dgm:fillClrLst>
+    <dgm:linClrLst meth="repeat">
+      <a:schemeClr val="lt1"/>
+    </dgm:linClrLst>
+    <dgm:effectClrLst/>
+    <dgm:txLinClrLst/>
+    <dgm:txFillClrLst meth="repeat">
+      <a:schemeClr val="lt1"/>
+    </dgm:txFillClrLst>
+    <dgm:txEffectClrLst/>
+  </dgm:styleLbl>
+  <dgm:styleLbl name="parChTrans1D1">
+    <dgm:fillClrLst meth="repeat">
+      <a:schemeClr val="accent3"/>
+    </dgm:fillClrLst>
+    <dgm:linClrLst meth="repeat">
+      <a:schemeClr val="accent3"/>
+    </dgm:linClrLst>
+    <dgm:effectClrLst/>
+    <dgm:txLinClrLst/>
+    <dgm:txFillClrLst meth="repeat">
+      <a:schemeClr val="tx1"/>
+    </dgm:txFillClrLst>
+    <dgm:txEffectClrLst/>
+  </dgm:styleLbl>
+  <dgm:styleLbl name="parChTrans1D2">
+    <dgm:fillClrLst meth="repeat">
+      <a:schemeClr val="accent2">
+        <a:tint val="90000"/>
+      </a:schemeClr>
+    </dgm:fillClrLst>
+    <dgm:linClrLst meth="repeat">
+      <a:schemeClr val="accent4"/>
+    </dgm:linClrLst>
+    <dgm:effectClrLst/>
+    <dgm:txLinClrLst/>
+    <dgm:txFillClrLst meth="repeat">
+      <a:schemeClr val="tx1"/>
+    </dgm:txFillClrLst>
+    <dgm:txEffectClrLst/>
+  </dgm:styleLbl>
+  <dgm:styleLbl name="parChTrans1D3">
+    <dgm:fillClrLst meth="repeat">
+      <a:schemeClr val="accent2">
+        <a:tint val="70000"/>
+      </a:schemeClr>
+    </dgm:fillClrLst>
+    <dgm:linClrLst meth="repeat">
+      <a:schemeClr val="accent5"/>
+    </dgm:linClrLst>
+    <dgm:effectClrLst/>
+    <dgm:txLinClrLst/>
+    <dgm:txFillClrLst meth="repeat">
+      <a:schemeClr val="tx1"/>
+    </dgm:txFillClrLst>
+    <dgm:txEffectClrLst/>
+  </dgm:styleLbl>
+  <dgm:styleLbl name="parChTrans1D4">
+    <dgm:fillClrLst meth="repeat">
+      <a:schemeClr val="accent6">
+        <a:tint val="50000"/>
+      </a:schemeClr>
+    </dgm:fillClrLst>
+    <dgm:linClrLst meth="repeat">
+      <a:schemeClr val="accent6"/>
+    </dgm:linClrLst>
+    <dgm:effectClrLst/>
+    <dgm:txLinClrLst/>
+    <dgm:txFillClrLst meth="repeat">
+      <a:schemeClr val="tx1"/>
+    </dgm:txFillClrLst>
+    <dgm:txEffectClrLst/>
+  </dgm:styleLbl>
+  <dgm:styleLbl name="fgAcc1">
+    <dgm:fillClrLst meth="repeat">
+      <a:schemeClr val="lt1">
+        <a:alpha val="90000"/>
+      </a:schemeClr>
+    </dgm:fillClrLst>
+    <dgm:linClrLst>
+      <a:schemeClr val="accent3"/>
+      <a:schemeClr val="accent4"/>
+    </dgm:linClrLst>
+    <dgm:effectClrLst/>
+    <dgm:txLinClrLst/>
+    <dgm:txFillClrLst meth="repeat">
+      <a:schemeClr val="dk1"/>
+    </dgm:txFillClrLst>
+    <dgm:txEffectClrLst/>
+  </dgm:styleLbl>
+  <dgm:styleLbl name="conFgAcc1">
+    <dgm:fillClrLst meth="repeat">
+      <a:schemeClr val="lt1">
+        <a:alpha val="90000"/>
+      </a:schemeClr>
+    </dgm:fillClrLst>
+    <dgm:linClrLst>
+      <a:schemeClr val="accent3"/>
+      <a:schemeClr val="accent4"/>
+    </dgm:linClrLst>
+    <dgm:effectClrLst/>
+    <dgm:txLinClrLst/>
+    <dgm:txFillClrLst meth="repeat">
+      <a:schemeClr val="dk1"/>
+    </dgm:txFillClrLst>
+    <dgm:txEffectClrLst/>
+  </dgm:styleLbl>
+  <dgm:styleLbl name="alignAcc1">
+    <dgm:fillClrLst meth="repeat">
+      <a:schemeClr val="lt1">
+        <a:alpha val="90000"/>
+      </a:schemeClr>
+    </dgm:fillClrLst>
+    <dgm:linClrLst>
+      <a:schemeClr val="accent3"/>
+      <a:schemeClr val="accent4"/>
+    </dgm:linClrLst>
+    <dgm:effectClrLst/>
+    <dgm:txLinClrLst/>
+    <dgm:txFillClrLst meth="repeat">
+      <a:schemeClr val="dk1"/>
+    </dgm:txFillClrLst>
+    <dgm:txEffectClrLst/>
+  </dgm:styleLbl>
+  <dgm:styleLbl name="trAlignAcc1">
+    <dgm:fillClrLst meth="repeat">
+      <a:schemeClr val="lt1">
+        <a:alpha val="40000"/>
+      </a:schemeClr>
+    </dgm:fillClrLst>
+    <dgm:linClrLst meth="repeat">
+      <a:schemeClr val="accent2"/>
+    </dgm:linClrLst>
+    <dgm:effectClrLst/>
+    <dgm:txLinClrLst/>
+    <dgm:txFillClrLst meth="repeat">
+      <a:schemeClr val="dk1"/>
+    </dgm:txFillClrLst>
+    <dgm:txEffectClrLst/>
+  </dgm:styleLbl>
+  <dgm:styleLbl name="bgAcc1">
+    <dgm:fillClrLst meth="repeat">
+      <a:schemeClr val="lt1">
+        <a:alpha val="90000"/>
+      </a:schemeClr>
+    </dgm:fillClrLst>
+    <dgm:linClrLst>
+      <a:schemeClr val="accent3"/>
+      <a:schemeClr val="accent4"/>
+    </dgm:linClrLst>
+    <dgm:effectClrLst/>
+    <dgm:txLinClrLst/>
+    <dgm:txFillClrLst meth="repeat">
+      <a:schemeClr val="dk1"/>
+    </dgm:txFillClrLst>
+    <dgm:txEffectClrLst/>
+  </dgm:styleLbl>
+  <dgm:styleLbl name="solidFgAcc1">
+    <dgm:fillClrLst meth="repeat">
+      <a:schemeClr val="lt1"/>
+    </dgm:fillClrLst>
+    <dgm:linClrLst>
+      <a:schemeClr val="accent3"/>
+      <a:schemeClr val="accent4"/>
+    </dgm:linClrLst>
+    <dgm:effectClrLst/>
+    <dgm:txLinClrLst/>
+    <dgm:txFillClrLst meth="repeat">
+      <a:schemeClr val="dk1"/>
+    </dgm:txFillClrLst>
+    <dgm:txEffectClrLst/>
+  </dgm:styleLbl>
+  <dgm:styleLbl name="solidAlignAcc1">
+    <dgm:fillClrLst meth="repeat">
+      <a:schemeClr val="lt1"/>
+    </dgm:fillClrLst>
+    <dgm:linClrLst>
+      <a:schemeClr val="accent3"/>
+      <a:schemeClr val="accent4"/>
+    </dgm:linClrLst>
+    <dgm:effectClrLst/>
+    <dgm:txLinClrLst/>
+    <dgm:txFillClrLst meth="repeat">
+      <a:schemeClr val="dk1"/>
+    </dgm:txFillClrLst>
+    <dgm:txEffectClrLst/>
+  </dgm:styleLbl>
+  <dgm:styleLbl name="solidBgAcc1">
+    <dgm:fillClrLst meth="repeat">
+      <a:schemeClr val="lt1"/>
+    </dgm:fillClrLst>
+    <dgm:linClrLst>
+      <a:schemeClr val="accent3"/>
+      <a:schemeClr val="accent4"/>
+    </dgm:linClrLst>
+    <dgm:effectClrLst/>
+    <dgm:txLinClrLst/>
+    <dgm:txFillClrLst meth="repeat">
+      <a:schemeClr val="dk1"/>
+    </dgm:txFillClrLst>
+    <dgm:txEffectClrLst/>
+  </dgm:styleLbl>
+  <dgm:styleLbl name="fgAccFollowNode1">
+    <dgm:fillClrLst>
+      <a:schemeClr val="accent3">
+        <a:tint val="40000"/>
+        <a:alpha val="90000"/>
+      </a:schemeClr>
+      <a:schemeClr val="accent4">
+        <a:tint val="40000"/>
+        <a:alpha val="90000"/>
+      </a:schemeClr>
+    </dgm:fillClrLst>
+    <dgm:linClrLst>
+      <a:schemeClr val="accent3">
+        <a:tint val="40000"/>
+        <a:alpha val="90000"/>
+      </a:schemeClr>
+      <a:schemeClr val="accent4">
+        <a:tint val="40000"/>
+        <a:alpha val="90000"/>
+      </a:schemeClr>
+    </dgm:linClrLst>
+    <dgm:effectClrLst/>
+    <dgm:txLinClrLst/>
+    <dgm:txFillClrLst meth="repeat">
+      <a:schemeClr val="dk1"/>
+    </dgm:txFillClrLst>
+    <dgm:txEffectClrLst/>
+  </dgm:styleLbl>
+  <dgm:styleLbl name="alignAccFollowNode1">
+    <dgm:fillClrLst>
+      <a:schemeClr val="accent3">
+        <a:tint val="40000"/>
+        <a:alpha val="90000"/>
+      </a:schemeClr>
+      <a:schemeClr val="accent4">
+        <a:tint val="40000"/>
+        <a:alpha val="90000"/>
+      </a:schemeClr>
+    </dgm:fillClrLst>
+    <dgm:linClrLst>
+      <a:schemeClr val="accent3">
+        <a:tint val="40000"/>
+        <a:alpha val="90000"/>
+      </a:schemeClr>
+      <a:schemeClr val="accent4">
+        <a:tint val="40000"/>
+        <a:alpha val="90000"/>
+      </a:schemeClr>
+    </dgm:linClrLst>
+    <dgm:effectClrLst/>
+    <dgm:txLinClrLst/>
+    <dgm:txFillClrLst meth="repeat">
+      <a:schemeClr val="dk1"/>
+    </dgm:txFillClrLst>
+    <dgm:txEffectClrLst/>
+  </dgm:styleLbl>
+  <dgm:styleLbl name="bgAccFollowNode1">
+    <dgm:fillClrLst>
+      <a:schemeClr val="accent3">
+        <a:tint val="40000"/>
+        <a:alpha val="90000"/>
+      </a:schemeClr>
+      <a:schemeClr val="accent4">
+        <a:tint val="40000"/>
+        <a:alpha val="90000"/>
+      </a:schemeClr>
+    </dgm:fillClrLst>
+    <dgm:linClrLst>
+      <a:schemeClr val="accent3">
+        <a:tint val="40000"/>
+        <a:alpha val="90000"/>
+      </a:schemeClr>
+      <a:schemeClr val="accent4">
+        <a:tint val="40000"/>
+        <a:alpha val="90000"/>
+      </a:schemeClr>
+    </dgm:linClrLst>
+    <dgm:effectClrLst/>
+    <dgm:txLinClrLst/>
+    <dgm:txFillClrLst meth="repeat">
+      <a:schemeClr val="dk1"/>
+    </dgm:txFillClrLst>
+    <dgm:txEffectClrLst/>
+  </dgm:styleLbl>
+  <dgm:styleLbl name="fgAcc0">
+    <dgm:fillClrLst meth="repeat">
+      <a:schemeClr val="lt1">
+        <a:alpha val="90000"/>
+      </a:schemeClr>
+    </dgm:fillClrLst>
+    <dgm:linClrLst>
+      <a:schemeClr val="accent2"/>
+    </dgm:linClrLst>
+    <dgm:effectClrLst/>
+    <dgm:txLinClrLst/>
+    <dgm:txFillClrLst meth="repeat">
+      <a:schemeClr val="dk1"/>
+    </dgm:txFillClrLst>
+    <dgm:txEffectClrLst/>
+  </dgm:styleLbl>
+  <dgm:styleLbl name="fgAcc2">
+    <dgm:fillClrLst meth="repeat">
+      <a:schemeClr val="lt1">
+        <a:alpha val="90000"/>
+      </a:schemeClr>
+    </dgm:fillClrLst>
+    <dgm:linClrLst>
+      <a:schemeClr val="accent4"/>
+    </dgm:linClrLst>
+    <dgm:effectClrLst/>
+    <dgm:txLinClrLst/>
+    <dgm:txFillClrLst meth="repeat">
+      <a:schemeClr val="dk1"/>
+    </dgm:txFillClrLst>
+    <dgm:txEffectClrLst/>
+  </dgm:styleLbl>
+  <dgm:styleLbl name="fgAcc3">
+    <dgm:fillClrLst meth="repeat">
+      <a:schemeClr val="lt1">
+        <a:alpha val="90000"/>
+      </a:schemeClr>
+    </dgm:fillClrLst>
+    <dgm:linClrLst>
+      <a:schemeClr val="accent5"/>
+    </dgm:linClrLst>
+    <dgm:effectClrLst/>
+    <dgm:txLinClrLst/>
+    <dgm:txFillClrLst meth="repeat">
+      <a:schemeClr val="dk1"/>
+    </dgm:txFillClrLst>
+    <dgm:txEffectClrLst/>
+  </dgm:styleLbl>
+  <dgm:styleLbl name="fgAcc4">
+    <dgm:fillClrLst meth="repeat">
+      <a:schemeClr val="lt1">
+        <a:alpha val="90000"/>
+      </a:schemeClr>
+    </dgm:fillClrLst>
+    <dgm:linClrLst>
+      <a:schemeClr val="accent6"/>
+    </dgm:linClrLst>
+    <dgm:effectClrLst/>
+    <dgm:txLinClrLst/>
+    <dgm:txFillClrLst meth="repeat">
+      <a:schemeClr val="dk1"/>
+    </dgm:txFillClrLst>
+    <dgm:txEffectClrLst/>
+  </dgm:styleLbl>
+  <dgm:styleLbl name="bgShp">
+    <dgm:fillClrLst meth="repeat">
+      <a:schemeClr val="accent3">
+        <a:tint val="40000"/>
+      </a:schemeClr>
+    </dgm:fillClrLst>
+    <dgm:linClrLst meth="repeat">
+      <a:schemeClr val="dk1"/>
+    </dgm:linClrLst>
+    <dgm:effectClrLst/>
+    <dgm:txLinClrLst/>
+    <dgm:txFillClrLst meth="repeat">
+      <a:schemeClr val="dk1"/>
+    </dgm:txFillClrLst>
+    <dgm:txEffectClrLst/>
+  </dgm:styleLbl>
+  <dgm:styleLbl name="dkBgShp">
+    <dgm:fillClrLst meth="repeat">
+      <a:schemeClr val="accent3">
+        <a:shade val="90000"/>
+      </a:schemeClr>
+    </dgm:fillClrLst>
+    <dgm:linClrLst meth="repeat">
+      <a:schemeClr val="dk1"/>
+    </dgm:linClrLst>
+    <dgm:effectClrLst/>
+    <dgm:txLinClrLst/>
+    <dgm:txFillClrLst meth="repeat">
+      <a:schemeClr val="lt1"/>
+    </dgm:txFillClrLst>
+    <dgm:txEffectClrLst/>
+  </dgm:styleLbl>
+  <dgm:styleLbl name="trBgShp">
+    <dgm:fillClrLst meth="repeat">
+      <a:schemeClr val="accent2">
+        <a:tint val="50000"/>
+        <a:alpha val="40000"/>
+      </a:schemeClr>
+    </dgm:fillClrLst>
+    <dgm:linClrLst meth="repeat">
+      <a:schemeClr val="accent3"/>
+    </dgm:linClrLst>
+    <dgm:effectClrLst/>
+    <dgm:txLinClrLst/>
+    <dgm:txFillClrLst meth="repeat">
+      <a:schemeClr val="lt1"/>
+    </dgm:txFillClrLst>
+    <dgm:txEffectClrLst/>
+  </dgm:styleLbl>
+  <dgm:styleLbl name="fgShp">
+    <dgm:fillClrLst meth="repeat">
+      <a:schemeClr val="accent3">
+        <a:tint val="40000"/>
       </a:schemeClr>
     </dgm:fillClrLst>
     <dgm:linClrLst meth="repeat">
@@ -1214,6 +1997,409 @@
 </dgm:dataModel>
 </file>
 
+<file path=ppt/diagrams/data2.xml><?xml version="1.0" encoding="utf-8"?>
+<dgm:dataModel xmlns:dgm="http://schemas.openxmlformats.org/drawingml/2006/diagram" xmlns:a="http://schemas.openxmlformats.org/drawingml/2006/main">
+  <dgm:ptLst>
+    <dgm:pt modelId="{109C5806-C562-4EA3-9C42-05999D6520C3}" type="doc">
+      <dgm:prSet loTypeId="urn:microsoft.com/office/officeart/2005/8/layout/hierarchy4" loCatId="list" qsTypeId="urn:microsoft.com/office/officeart/2005/8/quickstyle/simple1" qsCatId="simple" csTypeId="urn:microsoft.com/office/officeart/2005/8/colors/colorful3" csCatId="colorful" phldr="1"/>
+      <dgm:spPr/>
+      <dgm:t>
+        <a:bodyPr/>
+        <a:lstStyle/>
+        <a:p>
+          <a:endParaRPr lang="en-US"/>
+        </a:p>
+      </dgm:t>
+    </dgm:pt>
+    <dgm:pt modelId="{B21FFEEB-461F-4E0C-A777-A397EA8F2004}">
+      <dgm:prSet phldrT="[Text]" phldr="1"/>
+      <dgm:spPr>
+        <a:solidFill>
+          <a:schemeClr val="bg1"/>
+        </a:solidFill>
+      </dgm:spPr>
+      <dgm:t>
+        <a:bodyPr/>
+        <a:lstStyle/>
+        <a:p>
+          <a:endParaRPr lang="en-US" dirty="0">
+            <a:cs typeface="B Nazanin" panose="00000400000000000000" pitchFamily="2" charset="-78"/>
+          </a:endParaRPr>
+        </a:p>
+      </dgm:t>
+    </dgm:pt>
+    <dgm:pt modelId="{03846C85-B27F-466D-8290-559F027434DF}" type="parTrans" cxnId="{894CE163-4D5B-43AF-867B-370A192D6CE9}">
+      <dgm:prSet/>
+      <dgm:spPr/>
+      <dgm:t>
+        <a:bodyPr/>
+        <a:lstStyle/>
+        <a:p>
+          <a:endParaRPr lang="en-US"/>
+        </a:p>
+      </dgm:t>
+    </dgm:pt>
+    <dgm:pt modelId="{82408E31-7C19-4AE8-A7A9-5397B96CAF1F}" type="sibTrans" cxnId="{894CE163-4D5B-43AF-867B-370A192D6CE9}">
+      <dgm:prSet/>
+      <dgm:spPr/>
+      <dgm:t>
+        <a:bodyPr/>
+        <a:lstStyle/>
+        <a:p>
+          <a:endParaRPr lang="en-US"/>
+        </a:p>
+      </dgm:t>
+    </dgm:pt>
+    <dgm:pt modelId="{ECDD83E4-9D3C-4C1B-8000-91ADB1FAB60A}">
+      <dgm:prSet phldrT="[Text]"/>
+      <dgm:spPr/>
+      <dgm:t>
+        <a:bodyPr/>
+        <a:lstStyle/>
+        <a:p>
+          <a:r>
+            <a:rPr lang="fa-IR" dirty="0" smtClean="0">
+              <a:cs typeface="B Nazanin" panose="00000400000000000000" pitchFamily="2" charset="-78"/>
+            </a:rPr>
+            <a:t>کتابخانه‌ی الگوریتم‌های کاوش داده‌های جاری</a:t>
+          </a:r>
+          <a:endParaRPr lang="en-US" dirty="0">
+            <a:cs typeface="B Nazanin" panose="00000400000000000000" pitchFamily="2" charset="-78"/>
+          </a:endParaRPr>
+        </a:p>
+      </dgm:t>
+    </dgm:pt>
+    <dgm:pt modelId="{820C92FE-07D5-4267-9B42-744ADA0456A8}" type="parTrans" cxnId="{6C5D5852-9C7F-4F1B-AAEF-BCCD1A5A1EFD}">
+      <dgm:prSet/>
+      <dgm:spPr/>
+      <dgm:t>
+        <a:bodyPr/>
+        <a:lstStyle/>
+        <a:p>
+          <a:endParaRPr lang="en-US"/>
+        </a:p>
+      </dgm:t>
+    </dgm:pt>
+    <dgm:pt modelId="{B8B7C9AA-87AD-47A4-BADE-1A63AF138416}" type="sibTrans" cxnId="{6C5D5852-9C7F-4F1B-AAEF-BCCD1A5A1EFD}">
+      <dgm:prSet/>
+      <dgm:spPr/>
+      <dgm:t>
+        <a:bodyPr/>
+        <a:lstStyle/>
+        <a:p>
+          <a:endParaRPr lang="en-US"/>
+        </a:p>
+      </dgm:t>
+    </dgm:pt>
+    <dgm:pt modelId="{E0AD21F7-15D1-4530-9E45-D986D20F8A84}">
+      <dgm:prSet phldrT="[Text]"/>
+      <dgm:spPr/>
+      <dgm:t>
+        <a:bodyPr/>
+        <a:lstStyle/>
+        <a:p>
+          <a:r>
+            <a:rPr lang="fa-IR" dirty="0" smtClean="0">
+              <a:cs typeface="B Nazanin" panose="00000400000000000000" pitchFamily="2" charset="-78"/>
+            </a:rPr>
+            <a:t>لیوی</a:t>
+          </a:r>
+          <a:endParaRPr lang="en-US" dirty="0">
+            <a:cs typeface="B Nazanin" panose="00000400000000000000" pitchFamily="2" charset="-78"/>
+          </a:endParaRPr>
+        </a:p>
+      </dgm:t>
+    </dgm:pt>
+    <dgm:pt modelId="{274A3F40-12F7-488D-9CF4-165CE35C3A9F}" type="parTrans" cxnId="{FD19FB48-B3F6-4417-90ED-F5913C45E819}">
+      <dgm:prSet/>
+      <dgm:spPr/>
+      <dgm:t>
+        <a:bodyPr/>
+        <a:lstStyle/>
+        <a:p>
+          <a:endParaRPr lang="en-US"/>
+        </a:p>
+      </dgm:t>
+    </dgm:pt>
+    <dgm:pt modelId="{A1DDF3C0-02E8-4265-B350-E3A106806D8C}" type="sibTrans" cxnId="{FD19FB48-B3F6-4417-90ED-F5913C45E819}">
+      <dgm:prSet/>
+      <dgm:spPr/>
+      <dgm:t>
+        <a:bodyPr/>
+        <a:lstStyle/>
+        <a:p>
+          <a:endParaRPr lang="en-US"/>
+        </a:p>
+      </dgm:t>
+    </dgm:pt>
+    <dgm:pt modelId="{7A10A51B-112C-44CE-B535-2ACBE3B0586D}">
+      <dgm:prSet phldrT="[Text]"/>
+      <dgm:spPr>
+        <a:solidFill>
+          <a:schemeClr val="accent1">
+            <a:lumMod val="75000"/>
+          </a:schemeClr>
+        </a:solidFill>
+      </dgm:spPr>
+      <dgm:t>
+        <a:bodyPr/>
+        <a:lstStyle/>
+        <a:p>
+          <a:r>
+            <a:rPr lang="fa-IR" dirty="0" smtClean="0">
+              <a:cs typeface="B Nazanin" panose="00000400000000000000" pitchFamily="2" charset="-78"/>
+            </a:rPr>
+            <a:t>آپاچی اسپارک</a:t>
+          </a:r>
+          <a:endParaRPr lang="en-US" dirty="0">
+            <a:cs typeface="B Nazanin" panose="00000400000000000000" pitchFamily="2" charset="-78"/>
+          </a:endParaRPr>
+        </a:p>
+      </dgm:t>
+    </dgm:pt>
+    <dgm:pt modelId="{DDD8F44A-AFD8-4C0C-A71B-BDDDBD544CCB}" type="parTrans" cxnId="{8531DBE3-9F85-4EA1-B4DB-007447692FBD}">
+      <dgm:prSet/>
+      <dgm:spPr/>
+      <dgm:t>
+        <a:bodyPr/>
+        <a:lstStyle/>
+        <a:p>
+          <a:endParaRPr lang="en-US"/>
+        </a:p>
+      </dgm:t>
+    </dgm:pt>
+    <dgm:pt modelId="{CD34DC2D-09BF-45BA-AD5B-55F5E3D94D56}" type="sibTrans" cxnId="{8531DBE3-9F85-4EA1-B4DB-007447692FBD}">
+      <dgm:prSet/>
+      <dgm:spPr/>
+      <dgm:t>
+        <a:bodyPr/>
+        <a:lstStyle/>
+        <a:p>
+          <a:endParaRPr lang="en-US"/>
+        </a:p>
+      </dgm:t>
+    </dgm:pt>
+    <dgm:pt modelId="{8CAF974B-3A12-4995-9544-A740F715D5ED}">
+      <dgm:prSet phldrT="[Text]"/>
+      <dgm:spPr/>
+      <dgm:t>
+        <a:bodyPr/>
+        <a:lstStyle/>
+        <a:p>
+          <a:r>
+            <a:rPr lang="fa-IR" dirty="0" smtClean="0">
+              <a:cs typeface="B Nazanin" panose="00000400000000000000" pitchFamily="2" charset="-78"/>
+            </a:rPr>
+            <a:t>تولید کننده‌ی جریان داده</a:t>
+          </a:r>
+          <a:endParaRPr lang="en-US" dirty="0">
+            <a:cs typeface="B Nazanin" panose="00000400000000000000" pitchFamily="2" charset="-78"/>
+          </a:endParaRPr>
+        </a:p>
+      </dgm:t>
+    </dgm:pt>
+    <dgm:pt modelId="{76126137-5194-4356-BDA1-F1E85A21BF08}" type="parTrans" cxnId="{AEA5696A-8895-48E9-B33A-0F059465EEC0}">
+      <dgm:prSet/>
+      <dgm:spPr/>
+      <dgm:t>
+        <a:bodyPr/>
+        <a:lstStyle/>
+        <a:p>
+          <a:endParaRPr lang="en-US"/>
+        </a:p>
+      </dgm:t>
+    </dgm:pt>
+    <dgm:pt modelId="{EA3A5B36-CCAD-42A0-9019-FDF5DB54F2FC}" type="sibTrans" cxnId="{AEA5696A-8895-48E9-B33A-0F059465EEC0}">
+      <dgm:prSet/>
+      <dgm:spPr/>
+      <dgm:t>
+        <a:bodyPr/>
+        <a:lstStyle/>
+        <a:p>
+          <a:endParaRPr lang="en-US"/>
+        </a:p>
+      </dgm:t>
+    </dgm:pt>
+    <dgm:pt modelId="{2902EEEB-B8D9-4501-9A9B-5EA2629B80E9}" type="pres">
+      <dgm:prSet presAssocID="{109C5806-C562-4EA3-9C42-05999D6520C3}" presName="Name0" presStyleCnt="0">
+        <dgm:presLayoutVars>
+          <dgm:chPref val="1"/>
+          <dgm:dir/>
+          <dgm:animOne val="branch"/>
+          <dgm:animLvl val="lvl"/>
+          <dgm:resizeHandles/>
+        </dgm:presLayoutVars>
+      </dgm:prSet>
+      <dgm:spPr/>
+    </dgm:pt>
+    <dgm:pt modelId="{78A8FFA9-A59B-473B-A123-93187A0A8CF9}" type="pres">
+      <dgm:prSet presAssocID="{B21FFEEB-461F-4E0C-A777-A397EA8F2004}" presName="vertOne" presStyleCnt="0"/>
+      <dgm:spPr/>
+    </dgm:pt>
+    <dgm:pt modelId="{64BBCAC2-8350-4AB8-8272-8874281B90D4}" type="pres">
+      <dgm:prSet presAssocID="{B21FFEEB-461F-4E0C-A777-A397EA8F2004}" presName="txOne" presStyleLbl="node0" presStyleIdx="0" presStyleCnt="1" custScaleY="182583">
+        <dgm:presLayoutVars>
+          <dgm:chPref val="3"/>
+        </dgm:presLayoutVars>
+      </dgm:prSet>
+      <dgm:spPr/>
+    </dgm:pt>
+    <dgm:pt modelId="{5940AE82-3DA2-4A9E-AFE9-1FD884CDD249}" type="pres">
+      <dgm:prSet presAssocID="{B21FFEEB-461F-4E0C-A777-A397EA8F2004}" presName="parTransOne" presStyleCnt="0"/>
+      <dgm:spPr/>
+    </dgm:pt>
+    <dgm:pt modelId="{0C8EED97-089C-4C76-9531-4F5FFB825668}" type="pres">
+      <dgm:prSet presAssocID="{B21FFEEB-461F-4E0C-A777-A397EA8F2004}" presName="horzOne" presStyleCnt="0"/>
+      <dgm:spPr/>
+    </dgm:pt>
+    <dgm:pt modelId="{CD545192-B3C5-42CC-8E08-D46F8A5EAF3E}" type="pres">
+      <dgm:prSet presAssocID="{ECDD83E4-9D3C-4C1B-8000-91ADB1FAB60A}" presName="vertTwo" presStyleCnt="0"/>
+      <dgm:spPr/>
+    </dgm:pt>
+    <dgm:pt modelId="{4F14222C-DA47-4379-B720-33422FF9E459}" type="pres">
+      <dgm:prSet presAssocID="{ECDD83E4-9D3C-4C1B-8000-91ADB1FAB60A}" presName="txTwo" presStyleLbl="node2" presStyleIdx="0" presStyleCnt="1">
+        <dgm:presLayoutVars>
+          <dgm:chPref val="3"/>
+        </dgm:presLayoutVars>
+      </dgm:prSet>
+      <dgm:spPr/>
+      <dgm:t>
+        <a:bodyPr/>
+        <a:lstStyle/>
+        <a:p>
+          <a:endParaRPr lang="en-US"/>
+        </a:p>
+      </dgm:t>
+    </dgm:pt>
+    <dgm:pt modelId="{E0999E93-E6DC-4084-A51E-67174C3606B9}" type="pres">
+      <dgm:prSet presAssocID="{ECDD83E4-9D3C-4C1B-8000-91ADB1FAB60A}" presName="parTransTwo" presStyleCnt="0"/>
+      <dgm:spPr/>
+    </dgm:pt>
+    <dgm:pt modelId="{D51CAC23-9D32-4CE5-985F-563E1435CB1D}" type="pres">
+      <dgm:prSet presAssocID="{ECDD83E4-9D3C-4C1B-8000-91ADB1FAB60A}" presName="horzTwo" presStyleCnt="0"/>
+      <dgm:spPr/>
+    </dgm:pt>
+    <dgm:pt modelId="{21E1BE6E-5218-4C85-94AC-54E04E8076F7}" type="pres">
+      <dgm:prSet presAssocID="{E0AD21F7-15D1-4530-9E45-D986D20F8A84}" presName="vertThree" presStyleCnt="0"/>
+      <dgm:spPr/>
+    </dgm:pt>
+    <dgm:pt modelId="{371BB589-FB9A-498C-8EFF-DC21B7A930AC}" type="pres">
+      <dgm:prSet presAssocID="{E0AD21F7-15D1-4530-9E45-D986D20F8A84}" presName="txThree" presStyleLbl="node3" presStyleIdx="0" presStyleCnt="1">
+        <dgm:presLayoutVars>
+          <dgm:chPref val="3"/>
+        </dgm:presLayoutVars>
+      </dgm:prSet>
+      <dgm:spPr/>
+    </dgm:pt>
+    <dgm:pt modelId="{8DE5ED69-BA7D-40B7-BDF1-9D5A1AE7BB73}" type="pres">
+      <dgm:prSet presAssocID="{E0AD21F7-15D1-4530-9E45-D986D20F8A84}" presName="parTransThree" presStyleCnt="0"/>
+      <dgm:spPr/>
+    </dgm:pt>
+    <dgm:pt modelId="{8834C8C9-8F3A-4F16-AB44-767E557995D5}" type="pres">
+      <dgm:prSet presAssocID="{E0AD21F7-15D1-4530-9E45-D986D20F8A84}" presName="horzThree" presStyleCnt="0"/>
+      <dgm:spPr/>
+    </dgm:pt>
+    <dgm:pt modelId="{1437A63E-4C51-414E-B4B7-0A48C56375C2}" type="pres">
+      <dgm:prSet presAssocID="{7A10A51B-112C-44CE-B535-2ACBE3B0586D}" presName="vertFour" presStyleCnt="0">
+        <dgm:presLayoutVars>
+          <dgm:chPref val="3"/>
+        </dgm:presLayoutVars>
+      </dgm:prSet>
+      <dgm:spPr/>
+    </dgm:pt>
+    <dgm:pt modelId="{FFEC65E1-D3E9-45C5-9B13-BE7983FEFBD2}" type="pres">
+      <dgm:prSet presAssocID="{7A10A51B-112C-44CE-B535-2ACBE3B0586D}" presName="txFour" presStyleLbl="node4" presStyleIdx="0" presStyleCnt="2">
+        <dgm:presLayoutVars>
+          <dgm:chPref val="3"/>
+        </dgm:presLayoutVars>
+      </dgm:prSet>
+      <dgm:spPr/>
+      <dgm:t>
+        <a:bodyPr/>
+        <a:lstStyle/>
+        <a:p>
+          <a:endParaRPr lang="en-US"/>
+        </a:p>
+      </dgm:t>
+    </dgm:pt>
+    <dgm:pt modelId="{4CB24854-77B9-4429-B874-21679A58F427}" type="pres">
+      <dgm:prSet presAssocID="{7A10A51B-112C-44CE-B535-2ACBE3B0586D}" presName="parTransFour" presStyleCnt="0"/>
+      <dgm:spPr/>
+    </dgm:pt>
+    <dgm:pt modelId="{DB286AD7-4C63-46D4-A08A-12FB4DB61593}" type="pres">
+      <dgm:prSet presAssocID="{7A10A51B-112C-44CE-B535-2ACBE3B0586D}" presName="horzFour" presStyleCnt="0"/>
+      <dgm:spPr/>
+    </dgm:pt>
+    <dgm:pt modelId="{0964E62B-AB38-48F3-9786-222DDB25A4F5}" type="pres">
+      <dgm:prSet presAssocID="{8CAF974B-3A12-4995-9544-A740F715D5ED}" presName="vertFour" presStyleCnt="0">
+        <dgm:presLayoutVars>
+          <dgm:chPref val="3"/>
+        </dgm:presLayoutVars>
+      </dgm:prSet>
+      <dgm:spPr/>
+    </dgm:pt>
+    <dgm:pt modelId="{F1249440-1EB4-4EFC-96D1-676A611DEDFF}" type="pres">
+      <dgm:prSet presAssocID="{8CAF974B-3A12-4995-9544-A740F715D5ED}" presName="txFour" presStyleLbl="node4" presStyleIdx="1" presStyleCnt="2">
+        <dgm:presLayoutVars>
+          <dgm:chPref val="3"/>
+        </dgm:presLayoutVars>
+      </dgm:prSet>
+      <dgm:spPr/>
+      <dgm:t>
+        <a:bodyPr/>
+        <a:lstStyle/>
+        <a:p>
+          <a:endParaRPr lang="en-US"/>
+        </a:p>
+      </dgm:t>
+    </dgm:pt>
+    <dgm:pt modelId="{E0D122C9-239C-4B1C-BEEA-28BCD649E60A}" type="pres">
+      <dgm:prSet presAssocID="{8CAF974B-3A12-4995-9544-A740F715D5ED}" presName="horzFour" presStyleCnt="0"/>
+      <dgm:spPr/>
+    </dgm:pt>
+  </dgm:ptLst>
+  <dgm:cxnLst>
+    <dgm:cxn modelId="{FD19FB48-B3F6-4417-90ED-F5913C45E819}" srcId="{ECDD83E4-9D3C-4C1B-8000-91ADB1FAB60A}" destId="{E0AD21F7-15D1-4530-9E45-D986D20F8A84}" srcOrd="0" destOrd="0" parTransId="{274A3F40-12F7-488D-9CF4-165CE35C3A9F}" sibTransId="{A1DDF3C0-02E8-4265-B350-E3A106806D8C}"/>
+    <dgm:cxn modelId="{D9FB2C57-6E1A-450F-914E-DDC236910AF4}" type="presOf" srcId="{E0AD21F7-15D1-4530-9E45-D986D20F8A84}" destId="{371BB589-FB9A-498C-8EFF-DC21B7A930AC}" srcOrd="0" destOrd="0" presId="urn:microsoft.com/office/officeart/2005/8/layout/hierarchy4"/>
+    <dgm:cxn modelId="{EFD05E83-9FFC-406E-9731-E1B6BA1A1373}" type="presOf" srcId="{109C5806-C562-4EA3-9C42-05999D6520C3}" destId="{2902EEEB-B8D9-4501-9A9B-5EA2629B80E9}" srcOrd="0" destOrd="0" presId="urn:microsoft.com/office/officeart/2005/8/layout/hierarchy4"/>
+    <dgm:cxn modelId="{AEA5696A-8895-48E9-B33A-0F059465EEC0}" srcId="{7A10A51B-112C-44CE-B535-2ACBE3B0586D}" destId="{8CAF974B-3A12-4995-9544-A740F715D5ED}" srcOrd="0" destOrd="0" parTransId="{76126137-5194-4356-BDA1-F1E85A21BF08}" sibTransId="{EA3A5B36-CCAD-42A0-9019-FDF5DB54F2FC}"/>
+    <dgm:cxn modelId="{26103CEF-7FBC-4C72-87FC-F3CC2148AA33}" type="presOf" srcId="{8CAF974B-3A12-4995-9544-A740F715D5ED}" destId="{F1249440-1EB4-4EFC-96D1-676A611DEDFF}" srcOrd="0" destOrd="0" presId="urn:microsoft.com/office/officeart/2005/8/layout/hierarchy4"/>
+    <dgm:cxn modelId="{6C5D5852-9C7F-4F1B-AAEF-BCCD1A5A1EFD}" srcId="{B21FFEEB-461F-4E0C-A777-A397EA8F2004}" destId="{ECDD83E4-9D3C-4C1B-8000-91ADB1FAB60A}" srcOrd="0" destOrd="0" parTransId="{820C92FE-07D5-4267-9B42-744ADA0456A8}" sibTransId="{B8B7C9AA-87AD-47A4-BADE-1A63AF138416}"/>
+    <dgm:cxn modelId="{A95EDE9C-EB96-4634-8E1F-9DD7F28638B5}" type="presOf" srcId="{7A10A51B-112C-44CE-B535-2ACBE3B0586D}" destId="{FFEC65E1-D3E9-45C5-9B13-BE7983FEFBD2}" srcOrd="0" destOrd="0" presId="urn:microsoft.com/office/officeart/2005/8/layout/hierarchy4"/>
+    <dgm:cxn modelId="{894CE163-4D5B-43AF-867B-370A192D6CE9}" srcId="{109C5806-C562-4EA3-9C42-05999D6520C3}" destId="{B21FFEEB-461F-4E0C-A777-A397EA8F2004}" srcOrd="0" destOrd="0" parTransId="{03846C85-B27F-466D-8290-559F027434DF}" sibTransId="{82408E31-7C19-4AE8-A7A9-5397B96CAF1F}"/>
+    <dgm:cxn modelId="{EF528C47-12D2-4DAD-AF3E-B6B39C1FF81D}" type="presOf" srcId="{B21FFEEB-461F-4E0C-A777-A397EA8F2004}" destId="{64BBCAC2-8350-4AB8-8272-8874281B90D4}" srcOrd="0" destOrd="0" presId="urn:microsoft.com/office/officeart/2005/8/layout/hierarchy4"/>
+    <dgm:cxn modelId="{71186BE7-BD70-4097-B7D5-594F240A4BE6}" type="presOf" srcId="{ECDD83E4-9D3C-4C1B-8000-91ADB1FAB60A}" destId="{4F14222C-DA47-4379-B720-33422FF9E459}" srcOrd="0" destOrd="0" presId="urn:microsoft.com/office/officeart/2005/8/layout/hierarchy4"/>
+    <dgm:cxn modelId="{8531DBE3-9F85-4EA1-B4DB-007447692FBD}" srcId="{E0AD21F7-15D1-4530-9E45-D986D20F8A84}" destId="{7A10A51B-112C-44CE-B535-2ACBE3B0586D}" srcOrd="0" destOrd="0" parTransId="{DDD8F44A-AFD8-4C0C-A71B-BDDDBD544CCB}" sibTransId="{CD34DC2D-09BF-45BA-AD5B-55F5E3D94D56}"/>
+    <dgm:cxn modelId="{77A76F6F-F2EA-44C2-8E2F-93687DAB09EC}" type="presParOf" srcId="{2902EEEB-B8D9-4501-9A9B-5EA2629B80E9}" destId="{78A8FFA9-A59B-473B-A123-93187A0A8CF9}" srcOrd="0" destOrd="0" presId="urn:microsoft.com/office/officeart/2005/8/layout/hierarchy4"/>
+    <dgm:cxn modelId="{8C2AE882-03A4-443F-ABC6-61EBF362526D}" type="presParOf" srcId="{78A8FFA9-A59B-473B-A123-93187A0A8CF9}" destId="{64BBCAC2-8350-4AB8-8272-8874281B90D4}" srcOrd="0" destOrd="0" presId="urn:microsoft.com/office/officeart/2005/8/layout/hierarchy4"/>
+    <dgm:cxn modelId="{1C1D23D2-4785-4020-A6A3-CB98D128F93C}" type="presParOf" srcId="{78A8FFA9-A59B-473B-A123-93187A0A8CF9}" destId="{5940AE82-3DA2-4A9E-AFE9-1FD884CDD249}" srcOrd="1" destOrd="0" presId="urn:microsoft.com/office/officeart/2005/8/layout/hierarchy4"/>
+    <dgm:cxn modelId="{E0034B39-AF0C-4981-BCFE-6239293CD1A1}" type="presParOf" srcId="{78A8FFA9-A59B-473B-A123-93187A0A8CF9}" destId="{0C8EED97-089C-4C76-9531-4F5FFB825668}" srcOrd="2" destOrd="0" presId="urn:microsoft.com/office/officeart/2005/8/layout/hierarchy4"/>
+    <dgm:cxn modelId="{E55AF422-73E3-4B54-87CF-625B35CEEBD4}" type="presParOf" srcId="{0C8EED97-089C-4C76-9531-4F5FFB825668}" destId="{CD545192-B3C5-42CC-8E08-D46F8A5EAF3E}" srcOrd="0" destOrd="0" presId="urn:microsoft.com/office/officeart/2005/8/layout/hierarchy4"/>
+    <dgm:cxn modelId="{C53DBE70-030E-4C11-B0C2-8C895D8E0B20}" type="presParOf" srcId="{CD545192-B3C5-42CC-8E08-D46F8A5EAF3E}" destId="{4F14222C-DA47-4379-B720-33422FF9E459}" srcOrd="0" destOrd="0" presId="urn:microsoft.com/office/officeart/2005/8/layout/hierarchy4"/>
+    <dgm:cxn modelId="{9344373E-0837-48CC-966C-2788E5E6FA0C}" type="presParOf" srcId="{CD545192-B3C5-42CC-8E08-D46F8A5EAF3E}" destId="{E0999E93-E6DC-4084-A51E-67174C3606B9}" srcOrd="1" destOrd="0" presId="urn:microsoft.com/office/officeart/2005/8/layout/hierarchy4"/>
+    <dgm:cxn modelId="{5D4BE805-949C-499E-A339-ADAAF8372981}" type="presParOf" srcId="{CD545192-B3C5-42CC-8E08-D46F8A5EAF3E}" destId="{D51CAC23-9D32-4CE5-985F-563E1435CB1D}" srcOrd="2" destOrd="0" presId="urn:microsoft.com/office/officeart/2005/8/layout/hierarchy4"/>
+    <dgm:cxn modelId="{46454981-E3B5-4D39-BCA6-000D6738863C}" type="presParOf" srcId="{D51CAC23-9D32-4CE5-985F-563E1435CB1D}" destId="{21E1BE6E-5218-4C85-94AC-54E04E8076F7}" srcOrd="0" destOrd="0" presId="urn:microsoft.com/office/officeart/2005/8/layout/hierarchy4"/>
+    <dgm:cxn modelId="{1524166E-3151-4269-9E99-D258E44D4CA6}" type="presParOf" srcId="{21E1BE6E-5218-4C85-94AC-54E04E8076F7}" destId="{371BB589-FB9A-498C-8EFF-DC21B7A930AC}" srcOrd="0" destOrd="0" presId="urn:microsoft.com/office/officeart/2005/8/layout/hierarchy4"/>
+    <dgm:cxn modelId="{4D065306-C44E-4A35-A9AB-502296792692}" type="presParOf" srcId="{21E1BE6E-5218-4C85-94AC-54E04E8076F7}" destId="{8DE5ED69-BA7D-40B7-BDF1-9D5A1AE7BB73}" srcOrd="1" destOrd="0" presId="urn:microsoft.com/office/officeart/2005/8/layout/hierarchy4"/>
+    <dgm:cxn modelId="{8E07FF6E-7096-49E9-A395-A5482A15FB5B}" type="presParOf" srcId="{21E1BE6E-5218-4C85-94AC-54E04E8076F7}" destId="{8834C8C9-8F3A-4F16-AB44-767E557995D5}" srcOrd="2" destOrd="0" presId="urn:microsoft.com/office/officeart/2005/8/layout/hierarchy4"/>
+    <dgm:cxn modelId="{7DF3AF46-F636-4018-A67E-EA7C3E1271D6}" type="presParOf" srcId="{8834C8C9-8F3A-4F16-AB44-767E557995D5}" destId="{1437A63E-4C51-414E-B4B7-0A48C56375C2}" srcOrd="0" destOrd="0" presId="urn:microsoft.com/office/officeart/2005/8/layout/hierarchy4"/>
+    <dgm:cxn modelId="{EF816345-CBF6-4373-91C5-84001BA65DF3}" type="presParOf" srcId="{1437A63E-4C51-414E-B4B7-0A48C56375C2}" destId="{FFEC65E1-D3E9-45C5-9B13-BE7983FEFBD2}" srcOrd="0" destOrd="0" presId="urn:microsoft.com/office/officeart/2005/8/layout/hierarchy4"/>
+    <dgm:cxn modelId="{C3A529C3-071B-498B-8C11-8F4042CB2BF5}" type="presParOf" srcId="{1437A63E-4C51-414E-B4B7-0A48C56375C2}" destId="{4CB24854-77B9-4429-B874-21679A58F427}" srcOrd="1" destOrd="0" presId="urn:microsoft.com/office/officeart/2005/8/layout/hierarchy4"/>
+    <dgm:cxn modelId="{1A00F0F8-1513-4FEA-8AF1-1BB415DC3DD4}" type="presParOf" srcId="{1437A63E-4C51-414E-B4B7-0A48C56375C2}" destId="{DB286AD7-4C63-46D4-A08A-12FB4DB61593}" srcOrd="2" destOrd="0" presId="urn:microsoft.com/office/officeart/2005/8/layout/hierarchy4"/>
+    <dgm:cxn modelId="{AA31E3F8-D481-414C-9A94-5A9E34768EB2}" type="presParOf" srcId="{DB286AD7-4C63-46D4-A08A-12FB4DB61593}" destId="{0964E62B-AB38-48F3-9786-222DDB25A4F5}" srcOrd="0" destOrd="0" presId="urn:microsoft.com/office/officeart/2005/8/layout/hierarchy4"/>
+    <dgm:cxn modelId="{3BE11DEE-065A-4998-BCF8-172D42F46652}" type="presParOf" srcId="{0964E62B-AB38-48F3-9786-222DDB25A4F5}" destId="{F1249440-1EB4-4EFC-96D1-676A611DEDFF}" srcOrd="0" destOrd="0" presId="urn:microsoft.com/office/officeart/2005/8/layout/hierarchy4"/>
+    <dgm:cxn modelId="{35A18E9B-F364-4395-B428-B5818C473A06}" type="presParOf" srcId="{0964E62B-AB38-48F3-9786-222DDB25A4F5}" destId="{E0D122C9-239C-4B1C-BEEA-28BCD649E60A}" srcOrd="1" destOrd="0" presId="urn:microsoft.com/office/officeart/2005/8/layout/hierarchy4"/>
+  </dgm:cxnLst>
+  <dgm:bg/>
+  <dgm:whole/>
+  <dgm:extLst>
+    <a:ext uri="http://schemas.microsoft.com/office/drawing/2008/diagram">
+      <dsp:dataModelExt xmlns:dsp="http://schemas.microsoft.com/office/drawing/2008/diagram" relId="rId6" minVer="http://schemas.openxmlformats.org/drawingml/2006/diagram"/>
+    </a:ext>
+  </dgm:extLst>
+</dgm:dataModel>
+</file>
+
 <file path=ppt/diagrams/drawing1.xml><?xml version="1.0" encoding="utf-8"?>
 <dsp:drawing xmlns:dgm="http://schemas.openxmlformats.org/drawingml/2006/diagram" xmlns:dsp="http://schemas.microsoft.com/office/drawing/2008/diagram" xmlns:a="http://schemas.openxmlformats.org/drawingml/2006/main">
   <dsp:spTree>
@@ -1556,6 +2742,424 @@
       <dsp:txXfrm>
         <a:off x="27990" y="25907"/>
         <a:ext cx="6906520" cy="790419"/>
+      </dsp:txXfrm>
+    </dsp:sp>
+  </dsp:spTree>
+</dsp:drawing>
+</file>
+
+<file path=ppt/diagrams/drawing2.xml><?xml version="1.0" encoding="utf-8"?>
+<dsp:drawing xmlns:dgm="http://schemas.openxmlformats.org/drawingml/2006/diagram" xmlns:dsp="http://schemas.microsoft.com/office/drawing/2008/diagram" xmlns:a="http://schemas.openxmlformats.org/drawingml/2006/main">
+  <dsp:spTree>
+    <dsp:nvGrpSpPr>
+      <dsp:cNvPr id="0" name=""/>
+      <dsp:cNvGrpSpPr/>
+    </dsp:nvGrpSpPr>
+    <dsp:grpSpPr/>
+    <dsp:sp modelId="{64BBCAC2-8350-4AB8-8272-8874281B90D4}">
+      <dsp:nvSpPr>
+        <dsp:cNvPr id="0" name=""/>
+        <dsp:cNvSpPr/>
+      </dsp:nvSpPr>
+      <dsp:spPr>
+        <a:xfrm>
+          <a:off x="3968" y="3006"/>
+          <a:ext cx="8120062" cy="1603839"/>
+        </a:xfrm>
+        <a:prstGeom prst="roundRect">
+          <a:avLst>
+            <a:gd name="adj" fmla="val 10000"/>
+          </a:avLst>
+        </a:prstGeom>
+        <a:solidFill>
+          <a:schemeClr val="bg1"/>
+        </a:solidFill>
+        <a:ln w="12700" cap="flat" cmpd="sng" algn="ctr">
+          <a:solidFill>
+            <a:schemeClr val="lt1">
+              <a:hueOff val="0"/>
+              <a:satOff val="0"/>
+              <a:lumOff val="0"/>
+              <a:alphaOff val="0"/>
+            </a:schemeClr>
+          </a:solidFill>
+          <a:prstDash val="solid"/>
+          <a:miter lim="800000"/>
+        </a:ln>
+        <a:effectLst/>
+      </dsp:spPr>
+      <dsp:style>
+        <a:lnRef idx="2">
+          <a:scrgbClr r="0" g="0" b="0"/>
+        </a:lnRef>
+        <a:fillRef idx="1">
+          <a:scrgbClr r="0" g="0" b="0"/>
+        </a:fillRef>
+        <a:effectRef idx="0">
+          <a:scrgbClr r="0" g="0" b="0"/>
+        </a:effectRef>
+        <a:fontRef idx="minor">
+          <a:schemeClr val="lt1"/>
+        </a:fontRef>
+      </dsp:style>
+      <dsp:txBody>
+        <a:bodyPr spcFirstLastPara="0" vert="horz" wrap="square" lIns="247650" tIns="247650" rIns="247650" bIns="247650" numCol="1" spcCol="1270" anchor="ctr" anchorCtr="0">
+          <a:noAutofit/>
+        </a:bodyPr>
+        <a:lstStyle/>
+        <a:p>
+          <a:pPr lvl="0" algn="ctr" defTabSz="2889250">
+            <a:lnSpc>
+              <a:spcPct val="90000"/>
+            </a:lnSpc>
+            <a:spcBef>
+              <a:spcPct val="0"/>
+            </a:spcBef>
+            <a:spcAft>
+              <a:spcPct val="35000"/>
+            </a:spcAft>
+          </a:pPr>
+          <a:endParaRPr lang="en-US" sz="6500" kern="1200" dirty="0">
+            <a:cs typeface="B Nazanin" panose="00000400000000000000" pitchFamily="2" charset="-78"/>
+          </a:endParaRPr>
+        </a:p>
+      </dsp:txBody>
+      <dsp:txXfrm>
+        <a:off x="50943" y="49981"/>
+        <a:ext cx="8026112" cy="1509889"/>
+      </dsp:txXfrm>
+    </dsp:sp>
+    <dsp:sp modelId="{4F14222C-DA47-4379-B720-33422FF9E459}">
+      <dsp:nvSpPr>
+        <dsp:cNvPr id="0" name=""/>
+        <dsp:cNvSpPr/>
+      </dsp:nvSpPr>
+      <dsp:spPr>
+        <a:xfrm>
+          <a:off x="3968" y="1680632"/>
+          <a:ext cx="8120062" cy="878416"/>
+        </a:xfrm>
+        <a:prstGeom prst="roundRect">
+          <a:avLst>
+            <a:gd name="adj" fmla="val 10000"/>
+          </a:avLst>
+        </a:prstGeom>
+        <a:solidFill>
+          <a:schemeClr val="accent4">
+            <a:hueOff val="0"/>
+            <a:satOff val="0"/>
+            <a:lumOff val="0"/>
+            <a:alphaOff val="0"/>
+          </a:schemeClr>
+        </a:solidFill>
+        <a:ln w="12700" cap="flat" cmpd="sng" algn="ctr">
+          <a:solidFill>
+            <a:schemeClr val="lt1">
+              <a:hueOff val="0"/>
+              <a:satOff val="0"/>
+              <a:lumOff val="0"/>
+              <a:alphaOff val="0"/>
+            </a:schemeClr>
+          </a:solidFill>
+          <a:prstDash val="solid"/>
+          <a:miter lim="800000"/>
+        </a:ln>
+        <a:effectLst/>
+      </dsp:spPr>
+      <dsp:style>
+        <a:lnRef idx="2">
+          <a:scrgbClr r="0" g="0" b="0"/>
+        </a:lnRef>
+        <a:fillRef idx="1">
+          <a:scrgbClr r="0" g="0" b="0"/>
+        </a:fillRef>
+        <a:effectRef idx="0">
+          <a:scrgbClr r="0" g="0" b="0"/>
+        </a:effectRef>
+        <a:fontRef idx="minor">
+          <a:schemeClr val="lt1"/>
+        </a:fontRef>
+      </dsp:style>
+      <dsp:txBody>
+        <a:bodyPr spcFirstLastPara="0" vert="horz" wrap="square" lIns="125730" tIns="125730" rIns="125730" bIns="125730" numCol="1" spcCol="1270" anchor="ctr" anchorCtr="0">
+          <a:noAutofit/>
+        </a:bodyPr>
+        <a:lstStyle/>
+        <a:p>
+          <a:pPr lvl="0" algn="ctr" defTabSz="1466850">
+            <a:lnSpc>
+              <a:spcPct val="90000"/>
+            </a:lnSpc>
+            <a:spcBef>
+              <a:spcPct val="0"/>
+            </a:spcBef>
+            <a:spcAft>
+              <a:spcPct val="35000"/>
+            </a:spcAft>
+          </a:pPr>
+          <a:r>
+            <a:rPr lang="fa-IR" sz="3300" kern="1200" dirty="0" smtClean="0">
+              <a:cs typeface="B Nazanin" panose="00000400000000000000" pitchFamily="2" charset="-78"/>
+            </a:rPr>
+            <a:t>کتابخانه‌ی الگوریتم‌های کاوش داده‌های جاری</a:t>
+          </a:r>
+          <a:endParaRPr lang="en-US" sz="3300" kern="1200" dirty="0">
+            <a:cs typeface="B Nazanin" panose="00000400000000000000" pitchFamily="2" charset="-78"/>
+          </a:endParaRPr>
+        </a:p>
+      </dsp:txBody>
+      <dsp:txXfrm>
+        <a:off x="29696" y="1706360"/>
+        <a:ext cx="8068606" cy="826960"/>
+      </dsp:txXfrm>
+    </dsp:sp>
+    <dsp:sp modelId="{371BB589-FB9A-498C-8EFF-DC21B7A930AC}">
+      <dsp:nvSpPr>
+        <dsp:cNvPr id="0" name=""/>
+        <dsp:cNvSpPr/>
+      </dsp:nvSpPr>
+      <dsp:spPr>
+        <a:xfrm>
+          <a:off x="3968" y="2632836"/>
+          <a:ext cx="8120062" cy="878416"/>
+        </a:xfrm>
+        <a:prstGeom prst="roundRect">
+          <a:avLst>
+            <a:gd name="adj" fmla="val 10000"/>
+          </a:avLst>
+        </a:prstGeom>
+        <a:solidFill>
+          <a:schemeClr val="accent5">
+            <a:hueOff val="0"/>
+            <a:satOff val="0"/>
+            <a:lumOff val="0"/>
+            <a:alphaOff val="0"/>
+          </a:schemeClr>
+        </a:solidFill>
+        <a:ln w="12700" cap="flat" cmpd="sng" algn="ctr">
+          <a:solidFill>
+            <a:schemeClr val="lt1">
+              <a:hueOff val="0"/>
+              <a:satOff val="0"/>
+              <a:lumOff val="0"/>
+              <a:alphaOff val="0"/>
+            </a:schemeClr>
+          </a:solidFill>
+          <a:prstDash val="solid"/>
+          <a:miter lim="800000"/>
+        </a:ln>
+        <a:effectLst/>
+      </dsp:spPr>
+      <dsp:style>
+        <a:lnRef idx="2">
+          <a:scrgbClr r="0" g="0" b="0"/>
+        </a:lnRef>
+        <a:fillRef idx="1">
+          <a:scrgbClr r="0" g="0" b="0"/>
+        </a:fillRef>
+        <a:effectRef idx="0">
+          <a:scrgbClr r="0" g="0" b="0"/>
+        </a:effectRef>
+        <a:fontRef idx="minor">
+          <a:schemeClr val="lt1"/>
+        </a:fontRef>
+      </dsp:style>
+      <dsp:txBody>
+        <a:bodyPr spcFirstLastPara="0" vert="horz" wrap="square" lIns="125730" tIns="125730" rIns="125730" bIns="125730" numCol="1" spcCol="1270" anchor="ctr" anchorCtr="0">
+          <a:noAutofit/>
+        </a:bodyPr>
+        <a:lstStyle/>
+        <a:p>
+          <a:pPr lvl="0" algn="ctr" defTabSz="1466850">
+            <a:lnSpc>
+              <a:spcPct val="90000"/>
+            </a:lnSpc>
+            <a:spcBef>
+              <a:spcPct val="0"/>
+            </a:spcBef>
+            <a:spcAft>
+              <a:spcPct val="35000"/>
+            </a:spcAft>
+          </a:pPr>
+          <a:r>
+            <a:rPr lang="fa-IR" sz="3300" kern="1200" dirty="0" smtClean="0">
+              <a:cs typeface="B Nazanin" panose="00000400000000000000" pitchFamily="2" charset="-78"/>
+            </a:rPr>
+            <a:t>لیوی</a:t>
+          </a:r>
+          <a:endParaRPr lang="en-US" sz="3300" kern="1200" dirty="0">
+            <a:cs typeface="B Nazanin" panose="00000400000000000000" pitchFamily="2" charset="-78"/>
+          </a:endParaRPr>
+        </a:p>
+      </dsp:txBody>
+      <dsp:txXfrm>
+        <a:off x="29696" y="2658564"/>
+        <a:ext cx="8068606" cy="826960"/>
+      </dsp:txXfrm>
+    </dsp:sp>
+    <dsp:sp modelId="{FFEC65E1-D3E9-45C5-9B13-BE7983FEFBD2}">
+      <dsp:nvSpPr>
+        <dsp:cNvPr id="0" name=""/>
+        <dsp:cNvSpPr/>
+      </dsp:nvSpPr>
+      <dsp:spPr>
+        <a:xfrm>
+          <a:off x="3968" y="3585040"/>
+          <a:ext cx="8120062" cy="878416"/>
+        </a:xfrm>
+        <a:prstGeom prst="roundRect">
+          <a:avLst>
+            <a:gd name="adj" fmla="val 10000"/>
+          </a:avLst>
+        </a:prstGeom>
+        <a:solidFill>
+          <a:schemeClr val="accent1">
+            <a:lumMod val="75000"/>
+          </a:schemeClr>
+        </a:solidFill>
+        <a:ln w="12700" cap="flat" cmpd="sng" algn="ctr">
+          <a:solidFill>
+            <a:schemeClr val="lt1">
+              <a:hueOff val="0"/>
+              <a:satOff val="0"/>
+              <a:lumOff val="0"/>
+              <a:alphaOff val="0"/>
+            </a:schemeClr>
+          </a:solidFill>
+          <a:prstDash val="solid"/>
+          <a:miter lim="800000"/>
+        </a:ln>
+        <a:effectLst/>
+      </dsp:spPr>
+      <dsp:style>
+        <a:lnRef idx="2">
+          <a:scrgbClr r="0" g="0" b="0"/>
+        </a:lnRef>
+        <a:fillRef idx="1">
+          <a:scrgbClr r="0" g="0" b="0"/>
+        </a:fillRef>
+        <a:effectRef idx="0">
+          <a:scrgbClr r="0" g="0" b="0"/>
+        </a:effectRef>
+        <a:fontRef idx="minor">
+          <a:schemeClr val="lt1"/>
+        </a:fontRef>
+      </dsp:style>
+      <dsp:txBody>
+        <a:bodyPr spcFirstLastPara="0" vert="horz" wrap="square" lIns="125730" tIns="125730" rIns="125730" bIns="125730" numCol="1" spcCol="1270" anchor="ctr" anchorCtr="0">
+          <a:noAutofit/>
+        </a:bodyPr>
+        <a:lstStyle/>
+        <a:p>
+          <a:pPr lvl="0" algn="ctr" defTabSz="1466850">
+            <a:lnSpc>
+              <a:spcPct val="90000"/>
+            </a:lnSpc>
+            <a:spcBef>
+              <a:spcPct val="0"/>
+            </a:spcBef>
+            <a:spcAft>
+              <a:spcPct val="35000"/>
+            </a:spcAft>
+          </a:pPr>
+          <a:r>
+            <a:rPr lang="fa-IR" sz="3300" kern="1200" dirty="0" smtClean="0">
+              <a:cs typeface="B Nazanin" panose="00000400000000000000" pitchFamily="2" charset="-78"/>
+            </a:rPr>
+            <a:t>آپاچی اسپارک</a:t>
+          </a:r>
+          <a:endParaRPr lang="en-US" sz="3300" kern="1200" dirty="0">
+            <a:cs typeface="B Nazanin" panose="00000400000000000000" pitchFamily="2" charset="-78"/>
+          </a:endParaRPr>
+        </a:p>
+      </dsp:txBody>
+      <dsp:txXfrm>
+        <a:off x="29696" y="3610768"/>
+        <a:ext cx="8068606" cy="826960"/>
+      </dsp:txXfrm>
+    </dsp:sp>
+    <dsp:sp modelId="{F1249440-1EB4-4EFC-96D1-676A611DEDFF}">
+      <dsp:nvSpPr>
+        <dsp:cNvPr id="0" name=""/>
+        <dsp:cNvSpPr/>
+      </dsp:nvSpPr>
+      <dsp:spPr>
+        <a:xfrm>
+          <a:off x="3968" y="4537244"/>
+          <a:ext cx="8120062" cy="878416"/>
+        </a:xfrm>
+        <a:prstGeom prst="roundRect">
+          <a:avLst>
+            <a:gd name="adj" fmla="val 10000"/>
+          </a:avLst>
+        </a:prstGeom>
+        <a:solidFill>
+          <a:schemeClr val="accent6">
+            <a:hueOff val="0"/>
+            <a:satOff val="0"/>
+            <a:lumOff val="0"/>
+            <a:alphaOff val="0"/>
+          </a:schemeClr>
+        </a:solidFill>
+        <a:ln w="12700" cap="flat" cmpd="sng" algn="ctr">
+          <a:solidFill>
+            <a:schemeClr val="lt1">
+              <a:hueOff val="0"/>
+              <a:satOff val="0"/>
+              <a:lumOff val="0"/>
+              <a:alphaOff val="0"/>
+            </a:schemeClr>
+          </a:solidFill>
+          <a:prstDash val="solid"/>
+          <a:miter lim="800000"/>
+        </a:ln>
+        <a:effectLst/>
+      </dsp:spPr>
+      <dsp:style>
+        <a:lnRef idx="2">
+          <a:scrgbClr r="0" g="0" b="0"/>
+        </a:lnRef>
+        <a:fillRef idx="1">
+          <a:scrgbClr r="0" g="0" b="0"/>
+        </a:fillRef>
+        <a:effectRef idx="0">
+          <a:scrgbClr r="0" g="0" b="0"/>
+        </a:effectRef>
+        <a:fontRef idx="minor">
+          <a:schemeClr val="lt1"/>
+        </a:fontRef>
+      </dsp:style>
+      <dsp:txBody>
+        <a:bodyPr spcFirstLastPara="0" vert="horz" wrap="square" lIns="125730" tIns="125730" rIns="125730" bIns="125730" numCol="1" spcCol="1270" anchor="ctr" anchorCtr="0">
+          <a:noAutofit/>
+        </a:bodyPr>
+        <a:lstStyle/>
+        <a:p>
+          <a:pPr lvl="0" algn="ctr" defTabSz="1466850">
+            <a:lnSpc>
+              <a:spcPct val="90000"/>
+            </a:lnSpc>
+            <a:spcBef>
+              <a:spcPct val="0"/>
+            </a:spcBef>
+            <a:spcAft>
+              <a:spcPct val="35000"/>
+            </a:spcAft>
+          </a:pPr>
+          <a:r>
+            <a:rPr lang="fa-IR" sz="3300" kern="1200" dirty="0" smtClean="0">
+              <a:cs typeface="B Nazanin" panose="00000400000000000000" pitchFamily="2" charset="-78"/>
+            </a:rPr>
+            <a:t>تولید کننده‌ی جریان داده</a:t>
+          </a:r>
+          <a:endParaRPr lang="en-US" sz="3300" kern="1200" dirty="0">
+            <a:cs typeface="B Nazanin" panose="00000400000000000000" pitchFamily="2" charset="-78"/>
+          </a:endParaRPr>
+        </a:p>
+      </dsp:txBody>
+      <dsp:txXfrm>
+        <a:off x="29696" y="4562972"/>
+        <a:ext cx="8068606" cy="826960"/>
       </dsp:txXfrm>
     </dsp:sp>
   </dsp:spTree>
@@ -2085,7 +3689,1563 @@
 </dgm:layoutDef>
 </file>
 
+<file path=ppt/diagrams/layout2.xml><?xml version="1.0" encoding="utf-8"?>
+<dgm:layoutDef xmlns:dgm="http://schemas.openxmlformats.org/drawingml/2006/diagram" xmlns:a="http://schemas.openxmlformats.org/drawingml/2006/main" uniqueId="urn:microsoft.com/office/officeart/2005/8/layout/hierarchy4">
+  <dgm:title val=""/>
+  <dgm:desc val=""/>
+  <dgm:catLst>
+    <dgm:cat type="hierarchy" pri="4000"/>
+    <dgm:cat type="list" pri="24000"/>
+    <dgm:cat type="relationship" pri="10000"/>
+  </dgm:catLst>
+  <dgm:sampData>
+    <dgm:dataModel>
+      <dgm:ptLst>
+        <dgm:pt modelId="0" type="doc"/>
+        <dgm:pt modelId="1">
+          <dgm:prSet phldr="1"/>
+        </dgm:pt>
+        <dgm:pt modelId="2">
+          <dgm:prSet phldr="1"/>
+        </dgm:pt>
+        <dgm:pt modelId="21">
+          <dgm:prSet phldr="1"/>
+        </dgm:pt>
+        <dgm:pt modelId="22">
+          <dgm:prSet phldr="1"/>
+        </dgm:pt>
+        <dgm:pt modelId="3">
+          <dgm:prSet phldr="1"/>
+        </dgm:pt>
+        <dgm:pt modelId="31">
+          <dgm:prSet phldr="1"/>
+        </dgm:pt>
+      </dgm:ptLst>
+      <dgm:cxnLst>
+        <dgm:cxn modelId="4" srcId="0" destId="1" srcOrd="0" destOrd="0"/>
+        <dgm:cxn modelId="5" srcId="1" destId="2" srcOrd="0" destOrd="0"/>
+        <dgm:cxn modelId="6" srcId="1" destId="3" srcOrd="1" destOrd="0"/>
+        <dgm:cxn modelId="23" srcId="2" destId="21" srcOrd="0" destOrd="0"/>
+        <dgm:cxn modelId="24" srcId="2" destId="22" srcOrd="1" destOrd="0"/>
+        <dgm:cxn modelId="33" srcId="3" destId="31" srcOrd="0" destOrd="0"/>
+      </dgm:cxnLst>
+      <dgm:bg/>
+      <dgm:whole/>
+    </dgm:dataModel>
+  </dgm:sampData>
+  <dgm:styleData>
+    <dgm:dataModel>
+      <dgm:ptLst>
+        <dgm:pt modelId="0" type="doc"/>
+        <dgm:pt modelId="1"/>
+        <dgm:pt modelId="11"/>
+        <dgm:pt modelId="12"/>
+      </dgm:ptLst>
+      <dgm:cxnLst>
+        <dgm:cxn modelId="2" srcId="0" destId="1" srcOrd="0" destOrd="0"/>
+        <dgm:cxn modelId="13" srcId="1" destId="11" srcOrd="0" destOrd="0"/>
+        <dgm:cxn modelId="14" srcId="1" destId="12" srcOrd="1" destOrd="0"/>
+      </dgm:cxnLst>
+      <dgm:bg/>
+      <dgm:whole/>
+    </dgm:dataModel>
+  </dgm:styleData>
+  <dgm:clrData>
+    <dgm:dataModel>
+      <dgm:ptLst>
+        <dgm:pt modelId="0" type="doc"/>
+        <dgm:pt modelId="1"/>
+        <dgm:pt modelId="2"/>
+        <dgm:pt modelId="21"/>
+        <dgm:pt modelId="211"/>
+        <dgm:pt modelId="3"/>
+        <dgm:pt modelId="31"/>
+        <dgm:pt modelId="311"/>
+      </dgm:ptLst>
+      <dgm:cxnLst>
+        <dgm:cxn modelId="4" srcId="0" destId="1" srcOrd="0" destOrd="0"/>
+        <dgm:cxn modelId="5" srcId="1" destId="2" srcOrd="0" destOrd="0"/>
+        <dgm:cxn modelId="6" srcId="1" destId="3" srcOrd="1" destOrd="0"/>
+        <dgm:cxn modelId="23" srcId="2" destId="21" srcOrd="0" destOrd="0"/>
+        <dgm:cxn modelId="24" srcId="21" destId="211" srcOrd="0" destOrd="0"/>
+        <dgm:cxn modelId="33" srcId="3" destId="31" srcOrd="0" destOrd="0"/>
+        <dgm:cxn modelId="34" srcId="31" destId="311" srcOrd="0" destOrd="0"/>
+      </dgm:cxnLst>
+      <dgm:bg/>
+      <dgm:whole/>
+    </dgm:dataModel>
+  </dgm:clrData>
+  <dgm:layoutNode name="Name0">
+    <dgm:varLst>
+      <dgm:chPref val="1"/>
+      <dgm:dir/>
+      <dgm:animOne val="branch"/>
+      <dgm:animLvl val="lvl"/>
+      <dgm:resizeHandles/>
+    </dgm:varLst>
+    <dgm:choose name="Name1">
+      <dgm:if name="Name2" func="var" arg="dir" op="equ" val="norm">
+        <dgm:alg type="lin">
+          <dgm:param type="linDir" val="fromL"/>
+          <dgm:param type="nodeVertAlign" val="t"/>
+        </dgm:alg>
+      </dgm:if>
+      <dgm:else name="Name3">
+        <dgm:alg type="lin">
+          <dgm:param type="linDir" val="fromR"/>
+          <dgm:param type="nodeVertAlign" val="t"/>
+        </dgm:alg>
+      </dgm:else>
+    </dgm:choose>
+    <dgm:shape xmlns:r="http://schemas.openxmlformats.org/officeDocument/2006/relationships" r:blip="">
+      <dgm:adjLst/>
+    </dgm:shape>
+    <dgm:presOf/>
+    <dgm:constrLst>
+      <dgm:constr type="w" for="ch" forName="vertOne" refType="w"/>
+      <dgm:constr type="w" for="des" forName="horzOne" refType="w"/>
+      <dgm:constr type="w" for="des" forName="txOne" refType="w"/>
+      <dgm:constr type="w" for="des" forName="vertTwo" refType="w"/>
+      <dgm:constr type="w" for="des" forName="horzTwo" refType="w"/>
+      <dgm:constr type="w" for="des" forName="txTwo" refType="w"/>
+      <dgm:constr type="w" for="des" forName="vertThree" refType="w"/>
+      <dgm:constr type="w" for="des" forName="horzThree" refType="w"/>
+      <dgm:constr type="w" for="des" forName="txThree" refType="w"/>
+      <dgm:constr type="w" for="des" forName="vertFour" refType="w"/>
+      <dgm:constr type="w" for="des" forName="horzFour" refType="w"/>
+      <dgm:constr type="w" for="des" forName="txFour" refType="w"/>
+      <dgm:constr type="h" for="des" ptType="node" op="equ"/>
+      <dgm:constr type="h" for="des" forName="txOne" refType="h"/>
+      <dgm:constr type="userH" for="des" ptType="node" refType="h" refFor="des" refForName="txOne"/>
+      <dgm:constr type="primFontSz" for="des" forName="txOne" val="65"/>
+      <dgm:constr type="primFontSz" for="des" forName="txTwo" val="65"/>
+      <dgm:constr type="primFontSz" for="des" forName="txTwo" refType="primFontSz" refFor="des" refForName="txOne" op="lte"/>
+      <dgm:constr type="primFontSz" for="des" forName="txThree" val="65"/>
+      <dgm:constr type="primFontSz" for="des" forName="txThree" refType="primFontSz" refFor="des" refForName="txOne" op="lte"/>
+      <dgm:constr type="primFontSz" for="des" forName="txThree" refType="primFontSz" refFor="des" refForName="txTwo" op="lte"/>
+      <dgm:constr type="primFontSz" for="des" forName="txFour" val="65"/>
+      <dgm:constr type="primFontSz" for="des" forName="txFour" refType="primFontSz" refFor="des" refForName="txOne" op="lte"/>
+      <dgm:constr type="primFontSz" for="des" forName="txFour" refType="primFontSz" refFor="des" refForName="txTwo" op="lte"/>
+      <dgm:constr type="primFontSz" for="des" forName="txFour" refType="primFontSz" refFor="des" refForName="txThree" op="lte"/>
+      <dgm:constr type="w" for="des" forName="sibSpaceOne" refType="w" fact="0.168"/>
+      <dgm:constr type="w" for="des" forName="sibSpaceTwo" refType="w" refFor="des" refForName="sibSpaceOne" op="equ" fact="0.5"/>
+      <dgm:constr type="w" for="des" forName="sibSpaceThree" refType="w" refFor="des" refForName="sibSpaceTwo" op="equ" fact="0.5"/>
+      <dgm:constr type="w" for="des" forName="sibSpaceFour" refType="w" refFor="des" refForName="sibSpaceThree" op="equ" fact="0.5"/>
+      <dgm:constr type="h" for="des" forName="parTransOne" refType="w" fact="0.056"/>
+      <dgm:constr type="h" for="des" forName="parTransTwo" refType="h" refFor="des" refForName="parTransOne" op="equ"/>
+      <dgm:constr type="h" for="des" forName="parTransThree" refType="h" refFor="des" refForName="parTransTwo" op="equ"/>
+      <dgm:constr type="h" for="des" forName="parTransFour" refType="h" refFor="des" refForName="parTransThree" op="equ"/>
+    </dgm:constrLst>
+    <dgm:ruleLst/>
+    <dgm:forEach name="Name4" axis="ch" ptType="node">
+      <dgm:layoutNode name="vertOne">
+        <dgm:alg type="lin">
+          <dgm:param type="linDir" val="fromT"/>
+        </dgm:alg>
+        <dgm:shape xmlns:r="http://schemas.openxmlformats.org/officeDocument/2006/relationships" r:blip="">
+          <dgm:adjLst/>
+        </dgm:shape>
+        <dgm:presOf/>
+        <dgm:constrLst>
+          <dgm:constr type="w" for="ch" forName="txOne" refType="w" refFor="ch" refForName="horzOne" op="gte"/>
+        </dgm:constrLst>
+        <dgm:ruleLst/>
+        <dgm:layoutNode name="txOne" styleLbl="node0">
+          <dgm:varLst>
+            <dgm:chPref val="3"/>
+          </dgm:varLst>
+          <dgm:alg type="tx"/>
+          <dgm:shape xmlns:r="http://schemas.openxmlformats.org/officeDocument/2006/relationships" type="roundRect" r:blip="">
+            <dgm:adjLst>
+              <dgm:adj idx="1" val="0.1"/>
+            </dgm:adjLst>
+          </dgm:shape>
+          <dgm:presOf axis="self"/>
+          <dgm:constrLst>
+            <dgm:constr type="tMarg" refType="primFontSz" fact="0.3"/>
+            <dgm:constr type="bMarg" refType="primFontSz" fact="0.3"/>
+            <dgm:constr type="lMarg" refType="primFontSz" fact="0.3"/>
+            <dgm:constr type="rMarg" refType="primFontSz" fact="0.3"/>
+          </dgm:constrLst>
+          <dgm:ruleLst>
+            <dgm:rule type="primFontSz" val="5" fact="NaN" max="NaN"/>
+          </dgm:ruleLst>
+        </dgm:layoutNode>
+        <dgm:choose name="Name5">
+          <dgm:if name="Name6" axis="des" ptType="node" func="cnt" op="gt" val="0">
+            <dgm:layoutNode name="parTransOne">
+              <dgm:alg type="sp"/>
+              <dgm:shape xmlns:r="http://schemas.openxmlformats.org/officeDocument/2006/relationships" r:blip="">
+                <dgm:adjLst/>
+              </dgm:shape>
+              <dgm:presOf/>
+              <dgm:constrLst/>
+              <dgm:ruleLst/>
+            </dgm:layoutNode>
+          </dgm:if>
+          <dgm:else name="Name7"/>
+        </dgm:choose>
+        <dgm:layoutNode name="horzOne">
+          <dgm:choose name="Name8">
+            <dgm:if name="Name9" func="var" arg="dir" op="equ" val="norm">
+              <dgm:alg type="lin">
+                <dgm:param type="linDir" val="fromL"/>
+                <dgm:param type="nodeVertAlign" val="t"/>
+              </dgm:alg>
+            </dgm:if>
+            <dgm:else name="Name10">
+              <dgm:alg type="lin">
+                <dgm:param type="linDir" val="fromR"/>
+                <dgm:param type="nodeVertAlign" val="t"/>
+              </dgm:alg>
+            </dgm:else>
+          </dgm:choose>
+          <dgm:shape xmlns:r="http://schemas.openxmlformats.org/officeDocument/2006/relationships" r:blip="">
+            <dgm:adjLst/>
+          </dgm:shape>
+          <dgm:presOf/>
+          <dgm:constrLst/>
+          <dgm:ruleLst>
+            <dgm:rule type="w" val="INF" fact="NaN" max="NaN"/>
+          </dgm:ruleLst>
+          <dgm:forEach name="Name11" axis="ch" ptType="node">
+            <dgm:layoutNode name="vertTwo">
+              <dgm:alg type="lin">
+                <dgm:param type="linDir" val="fromT"/>
+              </dgm:alg>
+              <dgm:shape xmlns:r="http://schemas.openxmlformats.org/officeDocument/2006/relationships" r:blip="">
+                <dgm:adjLst/>
+              </dgm:shape>
+              <dgm:presOf/>
+              <dgm:constrLst>
+                <dgm:constr type="w" for="ch" forName="txTwo" refType="w" refFor="ch" refForName="horzTwo" op="gte"/>
+              </dgm:constrLst>
+              <dgm:ruleLst/>
+              <dgm:layoutNode name="txTwo">
+                <dgm:varLst>
+                  <dgm:chPref val="3"/>
+                </dgm:varLst>
+                <dgm:alg type="tx"/>
+                <dgm:shape xmlns:r="http://schemas.openxmlformats.org/officeDocument/2006/relationships" type="roundRect" r:blip="">
+                  <dgm:adjLst>
+                    <dgm:adj idx="1" val="0.1"/>
+                  </dgm:adjLst>
+                </dgm:shape>
+                <dgm:presOf axis="self"/>
+                <dgm:constrLst>
+                  <dgm:constr type="userH"/>
+                  <dgm:constr type="h" refType="userH"/>
+                  <dgm:constr type="tMarg" refType="primFontSz" fact="0.3"/>
+                  <dgm:constr type="bMarg" refType="primFontSz" fact="0.3"/>
+                  <dgm:constr type="lMarg" refType="primFontSz" fact="0.3"/>
+                  <dgm:constr type="rMarg" refType="primFontSz" fact="0.3"/>
+                </dgm:constrLst>
+                <dgm:ruleLst>
+                  <dgm:rule type="primFontSz" val="5" fact="NaN" max="NaN"/>
+                </dgm:ruleLst>
+              </dgm:layoutNode>
+              <dgm:choose name="Name12">
+                <dgm:if name="Name13" axis="des" ptType="node" func="cnt" op="gt" val="0">
+                  <dgm:layoutNode name="parTransTwo">
+                    <dgm:alg type="sp"/>
+                    <dgm:shape xmlns:r="http://schemas.openxmlformats.org/officeDocument/2006/relationships" r:blip="">
+                      <dgm:adjLst/>
+                    </dgm:shape>
+                    <dgm:presOf/>
+                    <dgm:constrLst/>
+                    <dgm:ruleLst/>
+                  </dgm:layoutNode>
+                </dgm:if>
+                <dgm:else name="Name14"/>
+              </dgm:choose>
+              <dgm:layoutNode name="horzTwo">
+                <dgm:choose name="Name15">
+                  <dgm:if name="Name16" func="var" arg="dir" op="equ" val="norm">
+                    <dgm:alg type="lin">
+                      <dgm:param type="linDir" val="fromL"/>
+                      <dgm:param type="nodeVertAlign" val="t"/>
+                    </dgm:alg>
+                  </dgm:if>
+                  <dgm:else name="Name17">
+                    <dgm:alg type="lin">
+                      <dgm:param type="linDir" val="fromR"/>
+                      <dgm:param type="nodeVertAlign" val="t"/>
+                    </dgm:alg>
+                  </dgm:else>
+                </dgm:choose>
+                <dgm:shape xmlns:r="http://schemas.openxmlformats.org/officeDocument/2006/relationships" r:blip="">
+                  <dgm:adjLst/>
+                </dgm:shape>
+                <dgm:presOf/>
+                <dgm:constrLst/>
+                <dgm:ruleLst>
+                  <dgm:rule type="w" val="INF" fact="NaN" max="NaN"/>
+                </dgm:ruleLst>
+                <dgm:forEach name="Name18" axis="ch" ptType="node">
+                  <dgm:layoutNode name="vertThree">
+                    <dgm:alg type="lin">
+                      <dgm:param type="linDir" val="fromT"/>
+                    </dgm:alg>
+                    <dgm:shape xmlns:r="http://schemas.openxmlformats.org/officeDocument/2006/relationships" r:blip="">
+                      <dgm:adjLst/>
+                    </dgm:shape>
+                    <dgm:presOf/>
+                    <dgm:constrLst>
+                      <dgm:constr type="w" for="ch" forName="txThree" refType="w" refFor="ch" refForName="horzThree" op="gte"/>
+                    </dgm:constrLst>
+                    <dgm:ruleLst/>
+                    <dgm:layoutNode name="txThree">
+                      <dgm:varLst>
+                        <dgm:chPref val="3"/>
+                      </dgm:varLst>
+                      <dgm:alg type="tx"/>
+                      <dgm:shape xmlns:r="http://schemas.openxmlformats.org/officeDocument/2006/relationships" type="roundRect" r:blip="">
+                        <dgm:adjLst>
+                          <dgm:adj idx="1" val="0.1"/>
+                        </dgm:adjLst>
+                      </dgm:shape>
+                      <dgm:presOf axis="self"/>
+                      <dgm:constrLst>
+                        <dgm:constr type="userH"/>
+                        <dgm:constr type="h" refType="userH"/>
+                        <dgm:constr type="tMarg" refType="primFontSz" fact="0.3"/>
+                        <dgm:constr type="bMarg" refType="primFontSz" fact="0.3"/>
+                        <dgm:constr type="lMarg" refType="primFontSz" fact="0.3"/>
+                        <dgm:constr type="rMarg" refType="primFontSz" fact="0.3"/>
+                      </dgm:constrLst>
+                      <dgm:ruleLst>
+                        <dgm:rule type="primFontSz" val="5" fact="NaN" max="NaN"/>
+                      </dgm:ruleLst>
+                    </dgm:layoutNode>
+                    <dgm:choose name="Name19">
+                      <dgm:if name="Name20" axis="des" ptType="node" func="cnt" op="gt" val="0">
+                        <dgm:layoutNode name="parTransThree">
+                          <dgm:alg type="sp"/>
+                          <dgm:shape xmlns:r="http://schemas.openxmlformats.org/officeDocument/2006/relationships" r:blip="">
+                            <dgm:adjLst/>
+                          </dgm:shape>
+                          <dgm:presOf/>
+                          <dgm:constrLst/>
+                          <dgm:ruleLst/>
+                        </dgm:layoutNode>
+                      </dgm:if>
+                      <dgm:else name="Name21"/>
+                    </dgm:choose>
+                    <dgm:layoutNode name="horzThree">
+                      <dgm:choose name="Name22">
+                        <dgm:if name="Name23" func="var" arg="dir" op="equ" val="norm">
+                          <dgm:alg type="lin">
+                            <dgm:param type="linDir" val="fromL"/>
+                            <dgm:param type="nodeVertAlign" val="t"/>
+                          </dgm:alg>
+                        </dgm:if>
+                        <dgm:else name="Name24">
+                          <dgm:alg type="lin">
+                            <dgm:param type="linDir" val="fromR"/>
+                            <dgm:param type="nodeVertAlign" val="t"/>
+                          </dgm:alg>
+                        </dgm:else>
+                      </dgm:choose>
+                      <dgm:shape xmlns:r="http://schemas.openxmlformats.org/officeDocument/2006/relationships" r:blip="">
+                        <dgm:adjLst/>
+                      </dgm:shape>
+                      <dgm:presOf/>
+                      <dgm:constrLst/>
+                      <dgm:ruleLst>
+                        <dgm:rule type="w" val="INF" fact="NaN" max="NaN"/>
+                      </dgm:ruleLst>
+                      <dgm:forEach name="repeat" axis="ch" ptType="node">
+                        <dgm:layoutNode name="vertFour">
+                          <dgm:varLst>
+                            <dgm:chPref val="3"/>
+                          </dgm:varLst>
+                          <dgm:alg type="lin">
+                            <dgm:param type="linDir" val="fromT"/>
+                          </dgm:alg>
+                          <dgm:shape xmlns:r="http://schemas.openxmlformats.org/officeDocument/2006/relationships" r:blip="">
+                            <dgm:adjLst/>
+                          </dgm:shape>
+                          <dgm:presOf/>
+                          <dgm:constrLst>
+                            <dgm:constr type="w" for="ch" forName="txFour" refType="w" refFor="ch" refForName="horzFour" op="gte"/>
+                          </dgm:constrLst>
+                          <dgm:ruleLst/>
+                          <dgm:layoutNode name="txFour">
+                            <dgm:varLst>
+                              <dgm:chPref val="3"/>
+                            </dgm:varLst>
+                            <dgm:alg type="tx"/>
+                            <dgm:shape xmlns:r="http://schemas.openxmlformats.org/officeDocument/2006/relationships" type="roundRect" r:blip="">
+                              <dgm:adjLst>
+                                <dgm:adj idx="1" val="0.1"/>
+                              </dgm:adjLst>
+                            </dgm:shape>
+                            <dgm:presOf axis="self"/>
+                            <dgm:constrLst>
+                              <dgm:constr type="userH"/>
+                              <dgm:constr type="h" refType="userH"/>
+                              <dgm:constr type="tMarg" refType="primFontSz" fact="0.3"/>
+                              <dgm:constr type="bMarg" refType="primFontSz" fact="0.3"/>
+                              <dgm:constr type="lMarg" refType="primFontSz" fact="0.3"/>
+                              <dgm:constr type="rMarg" refType="primFontSz" fact="0.3"/>
+                            </dgm:constrLst>
+                            <dgm:ruleLst>
+                              <dgm:rule type="primFontSz" val="5" fact="NaN" max="NaN"/>
+                            </dgm:ruleLst>
+                          </dgm:layoutNode>
+                          <dgm:choose name="Name25">
+                            <dgm:if name="Name26" axis="des" ptType="node" func="cnt" op="gt" val="0">
+                              <dgm:layoutNode name="parTransFour">
+                                <dgm:alg type="sp"/>
+                                <dgm:shape xmlns:r="http://schemas.openxmlformats.org/officeDocument/2006/relationships" r:blip="">
+                                  <dgm:adjLst/>
+                                </dgm:shape>
+                                <dgm:presOf/>
+                                <dgm:constrLst/>
+                                <dgm:ruleLst/>
+                              </dgm:layoutNode>
+                            </dgm:if>
+                            <dgm:else name="Name27"/>
+                          </dgm:choose>
+                          <dgm:layoutNode name="horzFour">
+                            <dgm:choose name="Name28">
+                              <dgm:if name="Name29" func="var" arg="dir" op="equ" val="norm">
+                                <dgm:alg type="lin">
+                                  <dgm:param type="linDir" val="fromL"/>
+                                  <dgm:param type="nodeVertAlign" val="t"/>
+                                </dgm:alg>
+                              </dgm:if>
+                              <dgm:else name="Name30">
+                                <dgm:alg type="lin">
+                                  <dgm:param type="linDir" val="fromR"/>
+                                  <dgm:param type="nodeVertAlign" val="t"/>
+                                </dgm:alg>
+                              </dgm:else>
+                            </dgm:choose>
+                            <dgm:shape xmlns:r="http://schemas.openxmlformats.org/officeDocument/2006/relationships" r:blip="">
+                              <dgm:adjLst/>
+                            </dgm:shape>
+                            <dgm:presOf/>
+                            <dgm:constrLst/>
+                            <dgm:ruleLst>
+                              <dgm:rule type="w" val="INF" fact="NaN" max="NaN"/>
+                            </dgm:ruleLst>
+                            <dgm:forEach name="Name31" ref="repeat"/>
+                          </dgm:layoutNode>
+                        </dgm:layoutNode>
+                        <dgm:choose name="Name32">
+                          <dgm:if name="Name33" axis="self" ptType="node" func="revPos" op="gte" val="2">
+                            <dgm:forEach name="Name34" axis="followSib" ptType="sibTrans" cnt="1">
+                              <dgm:layoutNode name="sibSpaceFour">
+                                <dgm:alg type="sp"/>
+                                <dgm:shape xmlns:r="http://schemas.openxmlformats.org/officeDocument/2006/relationships" r:blip="">
+                                  <dgm:adjLst/>
+                                </dgm:shape>
+                                <dgm:presOf/>
+                                <dgm:constrLst/>
+                                <dgm:ruleLst/>
+                              </dgm:layoutNode>
+                            </dgm:forEach>
+                          </dgm:if>
+                          <dgm:else name="Name35"/>
+                        </dgm:choose>
+                      </dgm:forEach>
+                    </dgm:layoutNode>
+                  </dgm:layoutNode>
+                  <dgm:choose name="Name36">
+                    <dgm:if name="Name37" axis="self" ptType="node" func="revPos" op="gte" val="2">
+                      <dgm:forEach name="Name38" axis="followSib" ptType="sibTrans" cnt="1">
+                        <dgm:layoutNode name="sibSpaceThree">
+                          <dgm:alg type="sp"/>
+                          <dgm:shape xmlns:r="http://schemas.openxmlformats.org/officeDocument/2006/relationships" r:blip="">
+                            <dgm:adjLst/>
+                          </dgm:shape>
+                          <dgm:presOf/>
+                          <dgm:constrLst/>
+                          <dgm:ruleLst/>
+                        </dgm:layoutNode>
+                      </dgm:forEach>
+                    </dgm:if>
+                    <dgm:else name="Name39"/>
+                  </dgm:choose>
+                </dgm:forEach>
+              </dgm:layoutNode>
+            </dgm:layoutNode>
+            <dgm:choose name="Name40">
+              <dgm:if name="Name41" axis="self" ptType="node" func="revPos" op="gte" val="2">
+                <dgm:forEach name="Name42" axis="followSib" ptType="sibTrans" cnt="1">
+                  <dgm:layoutNode name="sibSpaceTwo">
+                    <dgm:alg type="sp"/>
+                    <dgm:shape xmlns:r="http://schemas.openxmlformats.org/officeDocument/2006/relationships" r:blip="">
+                      <dgm:adjLst/>
+                    </dgm:shape>
+                    <dgm:presOf/>
+                    <dgm:constrLst/>
+                    <dgm:ruleLst/>
+                  </dgm:layoutNode>
+                </dgm:forEach>
+              </dgm:if>
+              <dgm:else name="Name43"/>
+            </dgm:choose>
+          </dgm:forEach>
+        </dgm:layoutNode>
+      </dgm:layoutNode>
+      <dgm:choose name="Name44">
+        <dgm:if name="Name45" axis="self" ptType="node" func="revPos" op="gte" val="2">
+          <dgm:forEach name="Name46" axis="followSib" ptType="sibTrans" cnt="1">
+            <dgm:layoutNode name="sibSpaceOne">
+              <dgm:alg type="sp"/>
+              <dgm:shape xmlns:r="http://schemas.openxmlformats.org/officeDocument/2006/relationships" r:blip="">
+                <dgm:adjLst/>
+              </dgm:shape>
+              <dgm:presOf/>
+              <dgm:constrLst/>
+              <dgm:ruleLst/>
+            </dgm:layoutNode>
+          </dgm:forEach>
+        </dgm:if>
+        <dgm:else name="Name47"/>
+      </dgm:choose>
+    </dgm:forEach>
+  </dgm:layoutNode>
+</dgm:layoutDef>
+</file>
+
 <file path=ppt/diagrams/quickStyle1.xml><?xml version="1.0" encoding="utf-8"?>
+<dgm:styleDef xmlns:dgm="http://schemas.openxmlformats.org/drawingml/2006/diagram" xmlns:a="http://schemas.openxmlformats.org/drawingml/2006/main" uniqueId="urn:microsoft.com/office/officeart/2005/8/quickstyle/simple1">
+  <dgm:title val=""/>
+  <dgm:desc val=""/>
+  <dgm:catLst>
+    <dgm:cat type="simple" pri="10100"/>
+  </dgm:catLst>
+  <dgm:scene3d>
+    <a:camera prst="orthographicFront"/>
+    <a:lightRig rig="threePt" dir="t"/>
+  </dgm:scene3d>
+  <dgm:styleLbl name="node0">
+    <dgm:scene3d>
+      <a:camera prst="orthographicFront"/>
+      <a:lightRig rig="threePt" dir="t"/>
+    </dgm:scene3d>
+    <dgm:sp3d/>
+    <dgm:txPr/>
+    <dgm:style>
+      <a:lnRef idx="2">
+        <a:scrgbClr r="0" g="0" b="0"/>
+      </a:lnRef>
+      <a:fillRef idx="1">
+        <a:scrgbClr r="0" g="0" b="0"/>
+      </a:fillRef>
+      <a:effectRef idx="0">
+        <a:scrgbClr r="0" g="0" b="0"/>
+      </a:effectRef>
+      <a:fontRef idx="minor">
+        <a:schemeClr val="lt1"/>
+      </a:fontRef>
+    </dgm:style>
+  </dgm:styleLbl>
+  <dgm:styleLbl name="lnNode1">
+    <dgm:scene3d>
+      <a:camera prst="orthographicFront"/>
+      <a:lightRig rig="threePt" dir="t"/>
+    </dgm:scene3d>
+    <dgm:sp3d/>
+    <dgm:txPr/>
+    <dgm:style>
+      <a:lnRef idx="2">
+        <a:scrgbClr r="0" g="0" b="0"/>
+      </a:lnRef>
+      <a:fillRef idx="1">
+        <a:scrgbClr r="0" g="0" b="0"/>
+      </a:fillRef>
+      <a:effectRef idx="0">
+        <a:scrgbClr r="0" g="0" b="0"/>
+      </a:effectRef>
+      <a:fontRef idx="minor">
+        <a:schemeClr val="lt1"/>
+      </a:fontRef>
+    </dgm:style>
+  </dgm:styleLbl>
+  <dgm:styleLbl name="vennNode1">
+    <dgm:scene3d>
+      <a:camera prst="orthographicFront"/>
+      <a:lightRig rig="threePt" dir="t"/>
+    </dgm:scene3d>
+    <dgm:sp3d/>
+    <dgm:txPr/>
+    <dgm:style>
+      <a:lnRef idx="2">
+        <a:scrgbClr r="0" g="0" b="0"/>
+      </a:lnRef>
+      <a:fillRef idx="1">
+        <a:scrgbClr r="0" g="0" b="0"/>
+      </a:fillRef>
+      <a:effectRef idx="0">
+        <a:scrgbClr r="0" g="0" b="0"/>
+      </a:effectRef>
+      <a:fontRef idx="minor">
+        <a:schemeClr val="tx1"/>
+      </a:fontRef>
+    </dgm:style>
+  </dgm:styleLbl>
+  <dgm:styleLbl name="alignNode1">
+    <dgm:scene3d>
+      <a:camera prst="orthographicFront"/>
+      <a:lightRig rig="threePt" dir="t"/>
+    </dgm:scene3d>
+    <dgm:sp3d/>
+    <dgm:txPr/>
+    <dgm:style>
+      <a:lnRef idx="2">
+        <a:scrgbClr r="0" g="0" b="0"/>
+      </a:lnRef>
+      <a:fillRef idx="1">
+        <a:scrgbClr r="0" g="0" b="0"/>
+      </a:fillRef>
+      <a:effectRef idx="0">
+        <a:scrgbClr r="0" g="0" b="0"/>
+      </a:effectRef>
+      <a:fontRef idx="minor">
+        <a:schemeClr val="lt1"/>
+      </a:fontRef>
+    </dgm:style>
+  </dgm:styleLbl>
+  <dgm:styleLbl name="node1">
+    <dgm:scene3d>
+      <a:camera prst="orthographicFront"/>
+      <a:lightRig rig="threePt" dir="t"/>
+    </dgm:scene3d>
+    <dgm:sp3d/>
+    <dgm:txPr/>
+    <dgm:style>
+      <a:lnRef idx="2">
+        <a:scrgbClr r="0" g="0" b="0"/>
+      </a:lnRef>
+      <a:fillRef idx="1">
+        <a:scrgbClr r="0" g="0" b="0"/>
+      </a:fillRef>
+      <a:effectRef idx="0">
+        <a:scrgbClr r="0" g="0" b="0"/>
+      </a:effectRef>
+      <a:fontRef idx="minor">
+        <a:schemeClr val="lt1"/>
+      </a:fontRef>
+    </dgm:style>
+  </dgm:styleLbl>
+  <dgm:styleLbl name="node2">
+    <dgm:scene3d>
+      <a:camera prst="orthographicFront"/>
+      <a:lightRig rig="threePt" dir="t"/>
+    </dgm:scene3d>
+    <dgm:sp3d/>
+    <dgm:txPr/>
+    <dgm:style>
+      <a:lnRef idx="2">
+        <a:scrgbClr r="0" g="0" b="0"/>
+      </a:lnRef>
+      <a:fillRef idx="1">
+        <a:scrgbClr r="0" g="0" b="0"/>
+      </a:fillRef>
+      <a:effectRef idx="0">
+        <a:scrgbClr r="0" g="0" b="0"/>
+      </a:effectRef>
+      <a:fontRef idx="minor">
+        <a:schemeClr val="lt1"/>
+      </a:fontRef>
+    </dgm:style>
+  </dgm:styleLbl>
+  <dgm:styleLbl name="node3">
+    <dgm:scene3d>
+      <a:camera prst="orthographicFront"/>
+      <a:lightRig rig="threePt" dir="t"/>
+    </dgm:scene3d>
+    <dgm:sp3d/>
+    <dgm:txPr/>
+    <dgm:style>
+      <a:lnRef idx="2">
+        <a:scrgbClr r="0" g="0" b="0"/>
+      </a:lnRef>
+      <a:fillRef idx="1">
+        <a:scrgbClr r="0" g="0" b="0"/>
+      </a:fillRef>
+      <a:effectRef idx="0">
+        <a:scrgbClr r="0" g="0" b="0"/>
+      </a:effectRef>
+      <a:fontRef idx="minor">
+        <a:schemeClr val="lt1"/>
+      </a:fontRef>
+    </dgm:style>
+  </dgm:styleLbl>
+  <dgm:styleLbl name="node4">
+    <dgm:scene3d>
+      <a:camera prst="orthographicFront"/>
+      <a:lightRig rig="threePt" dir="t"/>
+    </dgm:scene3d>
+    <dgm:sp3d/>
+    <dgm:txPr/>
+    <dgm:style>
+      <a:lnRef idx="2">
+        <a:scrgbClr r="0" g="0" b="0"/>
+      </a:lnRef>
+      <a:fillRef idx="1">
+        <a:scrgbClr r="0" g="0" b="0"/>
+      </a:fillRef>
+      <a:effectRef idx="0">
+        <a:scrgbClr r="0" g="0" b="0"/>
+      </a:effectRef>
+      <a:fontRef idx="minor">
+        <a:schemeClr val="lt1"/>
+      </a:fontRef>
+    </dgm:style>
+  </dgm:styleLbl>
+  <dgm:styleLbl name="fgImgPlace1">
+    <dgm:scene3d>
+      <a:camera prst="orthographicFront"/>
+      <a:lightRig rig="threePt" dir="t"/>
+    </dgm:scene3d>
+    <dgm:sp3d/>
+    <dgm:txPr/>
+    <dgm:style>
+      <a:lnRef idx="2">
+        <a:scrgbClr r="0" g="0" b="0"/>
+      </a:lnRef>
+      <a:fillRef idx="1">
+        <a:scrgbClr r="0" g="0" b="0"/>
+      </a:fillRef>
+      <a:effectRef idx="0">
+        <a:scrgbClr r="0" g="0" b="0"/>
+      </a:effectRef>
+      <a:fontRef idx="minor"/>
+    </dgm:style>
+  </dgm:styleLbl>
+  <dgm:styleLbl name="alignImgPlace1">
+    <dgm:scene3d>
+      <a:camera prst="orthographicFront"/>
+      <a:lightRig rig="threePt" dir="t"/>
+    </dgm:scene3d>
+    <dgm:sp3d/>
+    <dgm:txPr/>
+    <dgm:style>
+      <a:lnRef idx="2">
+        <a:scrgbClr r="0" g="0" b="0"/>
+      </a:lnRef>
+      <a:fillRef idx="1">
+        <a:scrgbClr r="0" g="0" b="0"/>
+      </a:fillRef>
+      <a:effectRef idx="0">
+        <a:scrgbClr r="0" g="0" b="0"/>
+      </a:effectRef>
+      <a:fontRef idx="minor"/>
+    </dgm:style>
+  </dgm:styleLbl>
+  <dgm:styleLbl name="bgImgPlace1">
+    <dgm:scene3d>
+      <a:camera prst="orthographicFront"/>
+      <a:lightRig rig="threePt" dir="t"/>
+    </dgm:scene3d>
+    <dgm:sp3d/>
+    <dgm:txPr/>
+    <dgm:style>
+      <a:lnRef idx="2">
+        <a:scrgbClr r="0" g="0" b="0"/>
+      </a:lnRef>
+      <a:fillRef idx="1">
+        <a:scrgbClr r="0" g="0" b="0"/>
+      </a:fillRef>
+      <a:effectRef idx="0">
+        <a:scrgbClr r="0" g="0" b="0"/>
+      </a:effectRef>
+      <a:fontRef idx="minor"/>
+    </dgm:style>
+  </dgm:styleLbl>
+  <dgm:styleLbl name="sibTrans2D1">
+    <dgm:scene3d>
+      <a:camera prst="orthographicFront"/>
+      <a:lightRig rig="threePt" dir="t"/>
+    </dgm:scene3d>
+    <dgm:sp3d/>
+    <dgm:txPr/>
+    <dgm:style>
+      <a:lnRef idx="0">
+        <a:scrgbClr r="0" g="0" b="0"/>
+      </a:lnRef>
+      <a:fillRef idx="1">
+        <a:scrgbClr r="0" g="0" b="0"/>
+      </a:fillRef>
+      <a:effectRef idx="0">
+        <a:scrgbClr r="0" g="0" b="0"/>
+      </a:effectRef>
+      <a:fontRef idx="minor">
+        <a:schemeClr val="lt1"/>
+      </a:fontRef>
+    </dgm:style>
+  </dgm:styleLbl>
+  <dgm:styleLbl name="fgSibTrans2D1">
+    <dgm:scene3d>
+      <a:camera prst="orthographicFront"/>
+      <a:lightRig rig="threePt" dir="t"/>
+    </dgm:scene3d>
+    <dgm:sp3d/>
+    <dgm:txPr/>
+    <dgm:style>
+      <a:lnRef idx="0">
+        <a:scrgbClr r="0" g="0" b="0"/>
+      </a:lnRef>
+      <a:fillRef idx="1">
+        <a:scrgbClr r="0" g="0" b="0"/>
+      </a:fillRef>
+      <a:effectRef idx="0">
+        <a:scrgbClr r="0" g="0" b="0"/>
+      </a:effectRef>
+      <a:fontRef idx="minor">
+        <a:schemeClr val="lt1"/>
+      </a:fontRef>
+    </dgm:style>
+  </dgm:styleLbl>
+  <dgm:styleLbl name="bgSibTrans2D1">
+    <dgm:scene3d>
+      <a:camera prst="orthographicFront"/>
+      <a:lightRig rig="threePt" dir="t"/>
+    </dgm:scene3d>
+    <dgm:sp3d/>
+    <dgm:txPr/>
+    <dgm:style>
+      <a:lnRef idx="0">
+        <a:scrgbClr r="0" g="0" b="0"/>
+      </a:lnRef>
+      <a:fillRef idx="1">
+        <a:scrgbClr r="0" g="0" b="0"/>
+      </a:fillRef>
+      <a:effectRef idx="0">
+        <a:scrgbClr r="0" g="0" b="0"/>
+      </a:effectRef>
+      <a:fontRef idx="minor">
+        <a:schemeClr val="lt1"/>
+      </a:fontRef>
+    </dgm:style>
+  </dgm:styleLbl>
+  <dgm:styleLbl name="sibTrans1D1">
+    <dgm:scene3d>
+      <a:camera prst="orthographicFront"/>
+      <a:lightRig rig="threePt" dir="t"/>
+    </dgm:scene3d>
+    <dgm:sp3d/>
+    <dgm:txPr/>
+    <dgm:style>
+      <a:lnRef idx="1">
+        <a:scrgbClr r="0" g="0" b="0"/>
+      </a:lnRef>
+      <a:fillRef idx="0">
+        <a:scrgbClr r="0" g="0" b="0"/>
+      </a:fillRef>
+      <a:effectRef idx="0">
+        <a:scrgbClr r="0" g="0" b="0"/>
+      </a:effectRef>
+      <a:fontRef idx="minor"/>
+    </dgm:style>
+  </dgm:styleLbl>
+  <dgm:styleLbl name="callout">
+    <dgm:scene3d>
+      <a:camera prst="orthographicFront"/>
+      <a:lightRig rig="threePt" dir="t"/>
+    </dgm:scene3d>
+    <dgm:sp3d/>
+    <dgm:txPr/>
+    <dgm:style>
+      <a:lnRef idx="2">
+        <a:scrgbClr r="0" g="0" b="0"/>
+      </a:lnRef>
+      <a:fillRef idx="1">
+        <a:scrgbClr r="0" g="0" b="0"/>
+      </a:fillRef>
+      <a:effectRef idx="0">
+        <a:scrgbClr r="0" g="0" b="0"/>
+      </a:effectRef>
+      <a:fontRef idx="minor"/>
+    </dgm:style>
+  </dgm:styleLbl>
+  <dgm:styleLbl name="asst0">
+    <dgm:scene3d>
+      <a:camera prst="orthographicFront"/>
+      <a:lightRig rig="threePt" dir="t"/>
+    </dgm:scene3d>
+    <dgm:sp3d/>
+    <dgm:txPr/>
+    <dgm:style>
+      <a:lnRef idx="2">
+        <a:scrgbClr r="0" g="0" b="0"/>
+      </a:lnRef>
+      <a:fillRef idx="1">
+        <a:scrgbClr r="0" g="0" b="0"/>
+      </a:fillRef>
+      <a:effectRef idx="0">
+        <a:scrgbClr r="0" g="0" b="0"/>
+      </a:effectRef>
+      <a:fontRef idx="minor">
+        <a:schemeClr val="lt1"/>
+      </a:fontRef>
+    </dgm:style>
+  </dgm:styleLbl>
+  <dgm:styleLbl name="asst1">
+    <dgm:scene3d>
+      <a:camera prst="orthographicFront"/>
+      <a:lightRig rig="threePt" dir="t"/>
+    </dgm:scene3d>
+    <dgm:sp3d/>
+    <dgm:txPr/>
+    <dgm:style>
+      <a:lnRef idx="2">
+        <a:scrgbClr r="0" g="0" b="0"/>
+      </a:lnRef>
+      <a:fillRef idx="1">
+        <a:scrgbClr r="0" g="0" b="0"/>
+      </a:fillRef>
+      <a:effectRef idx="0">
+        <a:scrgbClr r="0" g="0" b="0"/>
+      </a:effectRef>
+      <a:fontRef idx="minor">
+        <a:schemeClr val="lt1"/>
+      </a:fontRef>
+    </dgm:style>
+  </dgm:styleLbl>
+  <dgm:styleLbl name="asst2">
+    <dgm:scene3d>
+      <a:camera prst="orthographicFront"/>
+      <a:lightRig rig="threePt" dir="t"/>
+    </dgm:scene3d>
+    <dgm:sp3d/>
+    <dgm:txPr/>
+    <dgm:style>
+      <a:lnRef idx="2">
+        <a:scrgbClr r="0" g="0" b="0"/>
+      </a:lnRef>
+      <a:fillRef idx="1">
+        <a:scrgbClr r="0" g="0" b="0"/>
+      </a:fillRef>
+      <a:effectRef idx="0">
+        <a:scrgbClr r="0" g="0" b="0"/>
+      </a:effectRef>
+      <a:fontRef idx="minor">
+        <a:schemeClr val="lt1"/>
+      </a:fontRef>
+    </dgm:style>
+  </dgm:styleLbl>
+  <dgm:styleLbl name="asst3">
+    <dgm:scene3d>
+      <a:camera prst="orthographicFront"/>
+      <a:lightRig rig="threePt" dir="t"/>
+    </dgm:scene3d>
+    <dgm:sp3d/>
+    <dgm:txPr/>
+    <dgm:style>
+      <a:lnRef idx="2">
+        <a:scrgbClr r="0" g="0" b="0"/>
+      </a:lnRef>
+      <a:fillRef idx="1">
+        <a:scrgbClr r="0" g="0" b="0"/>
+      </a:fillRef>
+      <a:effectRef idx="0">
+        <a:scrgbClr r="0" g="0" b="0"/>
+      </a:effectRef>
+      <a:fontRef idx="minor">
+        <a:schemeClr val="lt1"/>
+      </a:fontRef>
+    </dgm:style>
+  </dgm:styleLbl>
+  <dgm:styleLbl name="asst4">
+    <dgm:scene3d>
+      <a:camera prst="orthographicFront"/>
+      <a:lightRig rig="threePt" dir="t"/>
+    </dgm:scene3d>
+    <dgm:sp3d/>
+    <dgm:txPr/>
+    <dgm:style>
+      <a:lnRef idx="2">
+        <a:scrgbClr r="0" g="0" b="0"/>
+      </a:lnRef>
+      <a:fillRef idx="1">
+        <a:scrgbClr r="0" g="0" b="0"/>
+      </a:fillRef>
+      <a:effectRef idx="0">
+        <a:scrgbClr r="0" g="0" b="0"/>
+      </a:effectRef>
+      <a:fontRef idx="minor">
+        <a:schemeClr val="lt1"/>
+      </a:fontRef>
+    </dgm:style>
+  </dgm:styleLbl>
+  <dgm:styleLbl name="parChTrans2D1">
+    <dgm:scene3d>
+      <a:camera prst="orthographicFront"/>
+      <a:lightRig rig="threePt" dir="t"/>
+    </dgm:scene3d>
+    <dgm:sp3d/>
+    <dgm:txPr/>
+    <dgm:style>
+      <a:lnRef idx="2">
+        <a:scrgbClr r="0" g="0" b="0"/>
+      </a:lnRef>
+      <a:fillRef idx="1">
+        <a:scrgbClr r="0" g="0" b="0"/>
+      </a:fillRef>
+      <a:effectRef idx="0">
+        <a:scrgbClr r="0" g="0" b="0"/>
+      </a:effectRef>
+      <a:fontRef idx="minor">
+        <a:schemeClr val="lt1"/>
+      </a:fontRef>
+    </dgm:style>
+  </dgm:styleLbl>
+  <dgm:styleLbl name="parChTrans2D2">
+    <dgm:scene3d>
+      <a:camera prst="orthographicFront"/>
+      <a:lightRig rig="threePt" dir="t"/>
+    </dgm:scene3d>
+    <dgm:sp3d/>
+    <dgm:txPr/>
+    <dgm:style>
+      <a:lnRef idx="2">
+        <a:scrgbClr r="0" g="0" b="0"/>
+      </a:lnRef>
+      <a:fillRef idx="1">
+        <a:scrgbClr r="0" g="0" b="0"/>
+      </a:fillRef>
+      <a:effectRef idx="0">
+        <a:scrgbClr r="0" g="0" b="0"/>
+      </a:effectRef>
+      <a:fontRef idx="minor">
+        <a:schemeClr val="lt1"/>
+      </a:fontRef>
+    </dgm:style>
+  </dgm:styleLbl>
+  <dgm:styleLbl name="parChTrans2D3">
+    <dgm:scene3d>
+      <a:camera prst="orthographicFront"/>
+      <a:lightRig rig="threePt" dir="t"/>
+    </dgm:scene3d>
+    <dgm:sp3d/>
+    <dgm:txPr/>
+    <dgm:style>
+      <a:lnRef idx="2">
+        <a:scrgbClr r="0" g="0" b="0"/>
+      </a:lnRef>
+      <a:fillRef idx="1">
+        <a:scrgbClr r="0" g="0" b="0"/>
+      </a:fillRef>
+      <a:effectRef idx="0">
+        <a:scrgbClr r="0" g="0" b="0"/>
+      </a:effectRef>
+      <a:fontRef idx="minor">
+        <a:schemeClr val="lt1"/>
+      </a:fontRef>
+    </dgm:style>
+  </dgm:styleLbl>
+  <dgm:styleLbl name="parChTrans2D4">
+    <dgm:scene3d>
+      <a:camera prst="orthographicFront"/>
+      <a:lightRig rig="threePt" dir="t"/>
+    </dgm:scene3d>
+    <dgm:sp3d/>
+    <dgm:txPr/>
+    <dgm:style>
+      <a:lnRef idx="2">
+        <a:scrgbClr r="0" g="0" b="0"/>
+      </a:lnRef>
+      <a:fillRef idx="1">
+        <a:scrgbClr r="0" g="0" b="0"/>
+      </a:fillRef>
+      <a:effectRef idx="0">
+        <a:scrgbClr r="0" g="0" b="0"/>
+      </a:effectRef>
+      <a:fontRef idx="minor">
+        <a:schemeClr val="lt1"/>
+      </a:fontRef>
+    </dgm:style>
+  </dgm:styleLbl>
+  <dgm:styleLbl name="parChTrans1D1">
+    <dgm:scene3d>
+      <a:camera prst="orthographicFront"/>
+      <a:lightRig rig="threePt" dir="t"/>
+    </dgm:scene3d>
+    <dgm:sp3d/>
+    <dgm:txPr/>
+    <dgm:style>
+      <a:lnRef idx="2">
+        <a:scrgbClr r="0" g="0" b="0"/>
+      </a:lnRef>
+      <a:fillRef idx="0">
+        <a:scrgbClr r="0" g="0" b="0"/>
+      </a:fillRef>
+      <a:effectRef idx="0">
+        <a:scrgbClr r="0" g="0" b="0"/>
+      </a:effectRef>
+      <a:fontRef idx="minor"/>
+    </dgm:style>
+  </dgm:styleLbl>
+  <dgm:styleLbl name="parChTrans1D2">
+    <dgm:scene3d>
+      <a:camera prst="orthographicFront"/>
+      <a:lightRig rig="threePt" dir="t"/>
+    </dgm:scene3d>
+    <dgm:sp3d/>
+    <dgm:txPr/>
+    <dgm:style>
+      <a:lnRef idx="2">
+        <a:scrgbClr r="0" g="0" b="0"/>
+      </a:lnRef>
+      <a:fillRef idx="0">
+        <a:scrgbClr r="0" g="0" b="0"/>
+      </a:fillRef>
+      <a:effectRef idx="0">
+        <a:scrgbClr r="0" g="0" b="0"/>
+      </a:effectRef>
+      <a:fontRef idx="minor"/>
+    </dgm:style>
+  </dgm:styleLbl>
+  <dgm:styleLbl name="parChTrans1D3">
+    <dgm:scene3d>
+      <a:camera prst="orthographicFront"/>
+      <a:lightRig rig="threePt" dir="t"/>
+    </dgm:scene3d>
+    <dgm:sp3d/>
+    <dgm:txPr/>
+    <dgm:style>
+      <a:lnRef idx="2">
+        <a:scrgbClr r="0" g="0" b="0"/>
+      </a:lnRef>
+      <a:fillRef idx="0">
+        <a:scrgbClr r="0" g="0" b="0"/>
+      </a:fillRef>
+      <a:effectRef idx="0">
+        <a:scrgbClr r="0" g="0" b="0"/>
+      </a:effectRef>
+      <a:fontRef idx="minor"/>
+    </dgm:style>
+  </dgm:styleLbl>
+  <dgm:styleLbl name="parChTrans1D4">
+    <dgm:scene3d>
+      <a:camera prst="orthographicFront"/>
+      <a:lightRig rig="threePt" dir="t"/>
+    </dgm:scene3d>
+    <dgm:sp3d/>
+    <dgm:txPr/>
+    <dgm:style>
+      <a:lnRef idx="2">
+        <a:scrgbClr r="0" g="0" b="0"/>
+      </a:lnRef>
+      <a:fillRef idx="0">
+        <a:scrgbClr r="0" g="0" b="0"/>
+      </a:fillRef>
+      <a:effectRef idx="0">
+        <a:scrgbClr r="0" g="0" b="0"/>
+      </a:effectRef>
+      <a:fontRef idx="minor"/>
+    </dgm:style>
+  </dgm:styleLbl>
+  <dgm:styleLbl name="fgAcc1">
+    <dgm:scene3d>
+      <a:camera prst="orthographicFront"/>
+      <a:lightRig rig="threePt" dir="t"/>
+    </dgm:scene3d>
+    <dgm:sp3d/>
+    <dgm:txPr/>
+    <dgm:style>
+      <a:lnRef idx="2">
+        <a:scrgbClr r="0" g="0" b="0"/>
+      </a:lnRef>
+      <a:fillRef idx="1">
+        <a:scrgbClr r="0" g="0" b="0"/>
+      </a:fillRef>
+      <a:effectRef idx="0">
+        <a:scrgbClr r="0" g="0" b="0"/>
+      </a:effectRef>
+      <a:fontRef idx="minor"/>
+    </dgm:style>
+  </dgm:styleLbl>
+  <dgm:styleLbl name="conFgAcc1">
+    <dgm:scene3d>
+      <a:camera prst="orthographicFront"/>
+      <a:lightRig rig="threePt" dir="t"/>
+    </dgm:scene3d>
+    <dgm:sp3d/>
+    <dgm:txPr/>
+    <dgm:style>
+      <a:lnRef idx="2">
+        <a:scrgbClr r="0" g="0" b="0"/>
+      </a:lnRef>
+      <a:fillRef idx="1">
+        <a:scrgbClr r="0" g="0" b="0"/>
+      </a:fillRef>
+      <a:effectRef idx="0">
+        <a:scrgbClr r="0" g="0" b="0"/>
+      </a:effectRef>
+      <a:fontRef idx="minor"/>
+    </dgm:style>
+  </dgm:styleLbl>
+  <dgm:styleLbl name="alignAcc1">
+    <dgm:scene3d>
+      <a:camera prst="orthographicFront"/>
+      <a:lightRig rig="threePt" dir="t"/>
+    </dgm:scene3d>
+    <dgm:sp3d/>
+    <dgm:txPr/>
+    <dgm:style>
+      <a:lnRef idx="2">
+        <a:scrgbClr r="0" g="0" b="0"/>
+      </a:lnRef>
+      <a:fillRef idx="1">
+        <a:scrgbClr r="0" g="0" b="0"/>
+      </a:fillRef>
+      <a:effectRef idx="0">
+        <a:scrgbClr r="0" g="0" b="0"/>
+      </a:effectRef>
+      <a:fontRef idx="minor"/>
+    </dgm:style>
+  </dgm:styleLbl>
+  <dgm:styleLbl name="trAlignAcc1">
+    <dgm:scene3d>
+      <a:camera prst="orthographicFront"/>
+      <a:lightRig rig="threePt" dir="t"/>
+    </dgm:scene3d>
+    <dgm:sp3d/>
+    <dgm:txPr/>
+    <dgm:style>
+      <a:lnRef idx="1">
+        <a:scrgbClr r="0" g="0" b="0"/>
+      </a:lnRef>
+      <a:fillRef idx="1">
+        <a:scrgbClr r="0" g="0" b="0"/>
+      </a:fillRef>
+      <a:effectRef idx="0">
+        <a:scrgbClr r="0" g="0" b="0"/>
+      </a:effectRef>
+      <a:fontRef idx="minor"/>
+    </dgm:style>
+  </dgm:styleLbl>
+  <dgm:styleLbl name="bgAcc1">
+    <dgm:scene3d>
+      <a:camera prst="orthographicFront"/>
+      <a:lightRig rig="threePt" dir="t"/>
+    </dgm:scene3d>
+    <dgm:sp3d/>
+    <dgm:txPr/>
+    <dgm:style>
+      <a:lnRef idx="2">
+        <a:scrgbClr r="0" g="0" b="0"/>
+      </a:lnRef>
+      <a:fillRef idx="1">
+        <a:scrgbClr r="0" g="0" b="0"/>
+      </a:fillRef>
+      <a:effectRef idx="0">
+        <a:scrgbClr r="0" g="0" b="0"/>
+      </a:effectRef>
+      <a:fontRef idx="minor"/>
+    </dgm:style>
+  </dgm:styleLbl>
+  <dgm:styleLbl name="solidFgAcc1">
+    <dgm:scene3d>
+      <a:camera prst="orthographicFront"/>
+      <a:lightRig rig="threePt" dir="t"/>
+    </dgm:scene3d>
+    <dgm:sp3d/>
+    <dgm:txPr/>
+    <dgm:style>
+      <a:lnRef idx="2">
+        <a:scrgbClr r="0" g="0" b="0"/>
+      </a:lnRef>
+      <a:fillRef idx="1">
+        <a:scrgbClr r="0" g="0" b="0"/>
+      </a:fillRef>
+      <a:effectRef idx="0">
+        <a:scrgbClr r="0" g="0" b="0"/>
+      </a:effectRef>
+      <a:fontRef idx="minor"/>
+    </dgm:style>
+  </dgm:styleLbl>
+  <dgm:styleLbl name="solidAlignAcc1">
+    <dgm:scene3d>
+      <a:camera prst="orthographicFront"/>
+      <a:lightRig rig="threePt" dir="t"/>
+    </dgm:scene3d>
+    <dgm:sp3d/>
+    <dgm:txPr/>
+    <dgm:style>
+      <a:lnRef idx="2">
+        <a:scrgbClr r="0" g="0" b="0"/>
+      </a:lnRef>
+      <a:fillRef idx="1">
+        <a:scrgbClr r="0" g="0" b="0"/>
+      </a:fillRef>
+      <a:effectRef idx="0">
+        <a:scrgbClr r="0" g="0" b="0"/>
+      </a:effectRef>
+      <a:fontRef idx="minor"/>
+    </dgm:style>
+  </dgm:styleLbl>
+  <dgm:styleLbl name="solidBgAcc1">
+    <dgm:scene3d>
+      <a:camera prst="orthographicFront"/>
+      <a:lightRig rig="threePt" dir="t"/>
+    </dgm:scene3d>
+    <dgm:sp3d/>
+    <dgm:txPr/>
+    <dgm:style>
+      <a:lnRef idx="2">
+        <a:scrgbClr r="0" g="0" b="0"/>
+      </a:lnRef>
+      <a:fillRef idx="1">
+        <a:scrgbClr r="0" g="0" b="0"/>
+      </a:fillRef>
+      <a:effectRef idx="0">
+        <a:scrgbClr r="0" g="0" b="0"/>
+      </a:effectRef>
+      <a:fontRef idx="minor"/>
+    </dgm:style>
+  </dgm:styleLbl>
+  <dgm:styleLbl name="fgAccFollowNode1">
+    <dgm:scene3d>
+      <a:camera prst="orthographicFront"/>
+      <a:lightRig rig="threePt" dir="t"/>
+    </dgm:scene3d>
+    <dgm:sp3d/>
+    <dgm:txPr/>
+    <dgm:style>
+      <a:lnRef idx="2">
+        <a:scrgbClr r="0" g="0" b="0"/>
+      </a:lnRef>
+      <a:fillRef idx="1">
+        <a:scrgbClr r="0" g="0" b="0"/>
+      </a:fillRef>
+      <a:effectRef idx="0">
+        <a:scrgbClr r="0" g="0" b="0"/>
+      </a:effectRef>
+      <a:fontRef idx="minor"/>
+    </dgm:style>
+  </dgm:styleLbl>
+  <dgm:styleLbl name="alignAccFollowNode1">
+    <dgm:scene3d>
+      <a:camera prst="orthographicFront"/>
+      <a:lightRig rig="threePt" dir="t"/>
+    </dgm:scene3d>
+    <dgm:sp3d/>
+    <dgm:txPr/>
+    <dgm:style>
+      <a:lnRef idx="2">
+        <a:scrgbClr r="0" g="0" b="0"/>
+      </a:lnRef>
+      <a:fillRef idx="1">
+        <a:scrgbClr r="0" g="0" b="0"/>
+      </a:fillRef>
+      <a:effectRef idx="0">
+        <a:scrgbClr r="0" g="0" b="0"/>
+      </a:effectRef>
+      <a:fontRef idx="minor"/>
+    </dgm:style>
+  </dgm:styleLbl>
+  <dgm:styleLbl name="bgAccFollowNode1">
+    <dgm:scene3d>
+      <a:camera prst="orthographicFront"/>
+      <a:lightRig rig="threePt" dir="t"/>
+    </dgm:scene3d>
+    <dgm:sp3d/>
+    <dgm:txPr/>
+    <dgm:style>
+      <a:lnRef idx="2">
+        <a:scrgbClr r="0" g="0" b="0"/>
+      </a:lnRef>
+      <a:fillRef idx="1">
+        <a:scrgbClr r="0" g="0" b="0"/>
+      </a:fillRef>
+      <a:effectRef idx="0">
+        <a:scrgbClr r="0" g="0" b="0"/>
+      </a:effectRef>
+      <a:fontRef idx="minor"/>
+    </dgm:style>
+  </dgm:styleLbl>
+  <dgm:styleLbl name="fgAcc0">
+    <dgm:scene3d>
+      <a:camera prst="orthographicFront"/>
+      <a:lightRig rig="threePt" dir="t"/>
+    </dgm:scene3d>
+    <dgm:sp3d/>
+    <dgm:txPr/>
+    <dgm:style>
+      <a:lnRef idx="2">
+        <a:scrgbClr r="0" g="0" b="0"/>
+      </a:lnRef>
+      <a:fillRef idx="1">
+        <a:scrgbClr r="0" g="0" b="0"/>
+      </a:fillRef>
+      <a:effectRef idx="0">
+        <a:scrgbClr r="0" g="0" b="0"/>
+      </a:effectRef>
+      <a:fontRef idx="minor"/>
+    </dgm:style>
+  </dgm:styleLbl>
+  <dgm:styleLbl name="fgAcc2">
+    <dgm:scene3d>
+      <a:camera prst="orthographicFront"/>
+      <a:lightRig rig="threePt" dir="t"/>
+    </dgm:scene3d>
+    <dgm:sp3d/>
+    <dgm:txPr/>
+    <dgm:style>
+      <a:lnRef idx="2">
+        <a:scrgbClr r="0" g="0" b="0"/>
+      </a:lnRef>
+      <a:fillRef idx="1">
+        <a:scrgbClr r="0" g="0" b="0"/>
+      </a:fillRef>
+      <a:effectRef idx="0">
+        <a:scrgbClr r="0" g="0" b="0"/>
+      </a:effectRef>
+      <a:fontRef idx="minor"/>
+    </dgm:style>
+  </dgm:styleLbl>
+  <dgm:styleLbl name="fgAcc3">
+    <dgm:scene3d>
+      <a:camera prst="orthographicFront"/>
+      <a:lightRig rig="threePt" dir="t"/>
+    </dgm:scene3d>
+    <dgm:sp3d/>
+    <dgm:txPr/>
+    <dgm:style>
+      <a:lnRef idx="2">
+        <a:scrgbClr r="0" g="0" b="0"/>
+      </a:lnRef>
+      <a:fillRef idx="1">
+        <a:scrgbClr r="0" g="0" b="0"/>
+      </a:fillRef>
+      <a:effectRef idx="0">
+        <a:scrgbClr r="0" g="0" b="0"/>
+      </a:effectRef>
+      <a:fontRef idx="minor"/>
+    </dgm:style>
+  </dgm:styleLbl>
+  <dgm:styleLbl name="fgAcc4">
+    <dgm:scene3d>
+      <a:camera prst="orthographicFront"/>
+      <a:lightRig rig="threePt" dir="t"/>
+    </dgm:scene3d>
+    <dgm:sp3d/>
+    <dgm:txPr/>
+    <dgm:style>
+      <a:lnRef idx="2">
+        <a:scrgbClr r="0" g="0" b="0"/>
+      </a:lnRef>
+      <a:fillRef idx="1">
+        <a:scrgbClr r="0" g="0" b="0"/>
+      </a:fillRef>
+      <a:effectRef idx="0">
+        <a:scrgbClr r="0" g="0" b="0"/>
+      </a:effectRef>
+      <a:fontRef idx="minor"/>
+    </dgm:style>
+  </dgm:styleLbl>
+  <dgm:styleLbl name="bgShp">
+    <dgm:scene3d>
+      <a:camera prst="orthographicFront"/>
+      <a:lightRig rig="threePt" dir="t"/>
+    </dgm:scene3d>
+    <dgm:sp3d/>
+    <dgm:txPr/>
+    <dgm:style>
+      <a:lnRef idx="0">
+        <a:scrgbClr r="0" g="0" b="0"/>
+      </a:lnRef>
+      <a:fillRef idx="1">
+        <a:scrgbClr r="0" g="0" b="0"/>
+      </a:fillRef>
+      <a:effectRef idx="0">
+        <a:scrgbClr r="0" g="0" b="0"/>
+      </a:effectRef>
+      <a:fontRef idx="minor"/>
+    </dgm:style>
+  </dgm:styleLbl>
+  <dgm:styleLbl name="dkBgShp">
+    <dgm:scene3d>
+      <a:camera prst="orthographicFront"/>
+      <a:lightRig rig="threePt" dir="t"/>
+    </dgm:scene3d>
+    <dgm:sp3d/>
+    <dgm:txPr/>
+    <dgm:style>
+      <a:lnRef idx="0">
+        <a:scrgbClr r="0" g="0" b="0"/>
+      </a:lnRef>
+      <a:fillRef idx="1">
+        <a:scrgbClr r="0" g="0" b="0"/>
+      </a:fillRef>
+      <a:effectRef idx="0">
+        <a:scrgbClr r="0" g="0" b="0"/>
+      </a:effectRef>
+      <a:fontRef idx="minor"/>
+    </dgm:style>
+  </dgm:styleLbl>
+  <dgm:styleLbl name="trBgShp">
+    <dgm:scene3d>
+      <a:camera prst="orthographicFront"/>
+      <a:lightRig rig="threePt" dir="t"/>
+    </dgm:scene3d>
+    <dgm:sp3d/>
+    <dgm:txPr/>
+    <dgm:style>
+      <a:lnRef idx="0">
+        <a:scrgbClr r="0" g="0" b="0"/>
+      </a:lnRef>
+      <a:fillRef idx="1">
+        <a:scrgbClr r="0" g="0" b="0"/>
+      </a:fillRef>
+      <a:effectRef idx="0">
+        <a:scrgbClr r="0" g="0" b="0"/>
+      </a:effectRef>
+      <a:fontRef idx="minor"/>
+    </dgm:style>
+  </dgm:styleLbl>
+  <dgm:styleLbl name="fgShp">
+    <dgm:scene3d>
+      <a:camera prst="orthographicFront"/>
+      <a:lightRig rig="threePt" dir="t"/>
+    </dgm:scene3d>
+    <dgm:sp3d/>
+    <dgm:txPr/>
+    <dgm:style>
+      <a:lnRef idx="2">
+        <a:scrgbClr r="0" g="0" b="0"/>
+      </a:lnRef>
+      <a:fillRef idx="1">
+        <a:scrgbClr r="0" g="0" b="0"/>
+      </a:fillRef>
+      <a:effectRef idx="0">
+        <a:scrgbClr r="0" g="0" b="0"/>
+      </a:effectRef>
+      <a:fontRef idx="minor"/>
+    </dgm:style>
+  </dgm:styleLbl>
+  <dgm:styleLbl name="revTx">
+    <dgm:scene3d>
+      <a:camera prst="orthographicFront"/>
+      <a:lightRig rig="threePt" dir="t"/>
+    </dgm:scene3d>
+    <dgm:sp3d/>
+    <dgm:txPr/>
+    <dgm:style>
+      <a:lnRef idx="0">
+        <a:scrgbClr r="0" g="0" b="0"/>
+      </a:lnRef>
+      <a:fillRef idx="0">
+        <a:scrgbClr r="0" g="0" b="0"/>
+      </a:fillRef>
+      <a:effectRef idx="0">
+        <a:scrgbClr r="0" g="0" b="0"/>
+      </a:effectRef>
+      <a:fontRef idx="minor"/>
+    </dgm:style>
+  </dgm:styleLbl>
+</dgm:styleDef>
+</file>
+
+<file path=ppt/diagrams/quickStyle2.xml><?xml version="1.0" encoding="utf-8"?>
 <dgm:styleDef xmlns:dgm="http://schemas.openxmlformats.org/drawingml/2006/diagram" xmlns:a="http://schemas.openxmlformats.org/drawingml/2006/main" uniqueId="urn:microsoft.com/office/officeart/2005/8/quickstyle/simple1">
   <dgm:title val=""/>
   <dgm:desc val=""/>
@@ -3250,7 +6410,7 @@
           <a:p>
             <a:fld id="{B26FA5D4-0961-4AEE-B603-5A3B1DB4BBA9}" type="datetimeFigureOut">
               <a:rPr lang="en-US" smtClean="0"/>
-              <a:t>6/27/2016</a:t>
+              <a:t>6/28/2016</a:t>
             </a:fld>
             <a:endParaRPr lang="en-US"/>
           </a:p>
@@ -3420,7 +6580,7 @@
           <a:p>
             <a:fld id="{B26FA5D4-0961-4AEE-B603-5A3B1DB4BBA9}" type="datetimeFigureOut">
               <a:rPr lang="en-US" smtClean="0"/>
-              <a:t>6/27/2016</a:t>
+              <a:t>6/28/2016</a:t>
             </a:fld>
             <a:endParaRPr lang="en-US"/>
           </a:p>
@@ -3600,7 +6760,7 @@
           <a:p>
             <a:fld id="{B26FA5D4-0961-4AEE-B603-5A3B1DB4BBA9}" type="datetimeFigureOut">
               <a:rPr lang="en-US" smtClean="0"/>
-              <a:t>6/27/2016</a:t>
+              <a:t>6/28/2016</a:t>
             </a:fld>
             <a:endParaRPr lang="en-US"/>
           </a:p>
@@ -3770,7 +6930,7 @@
           <a:p>
             <a:fld id="{B26FA5D4-0961-4AEE-B603-5A3B1DB4BBA9}" type="datetimeFigureOut">
               <a:rPr lang="en-US" smtClean="0"/>
-              <a:t>6/27/2016</a:t>
+              <a:t>6/28/2016</a:t>
             </a:fld>
             <a:endParaRPr lang="en-US"/>
           </a:p>
@@ -4016,7 +7176,7 @@
           <a:p>
             <a:fld id="{B26FA5D4-0961-4AEE-B603-5A3B1DB4BBA9}" type="datetimeFigureOut">
               <a:rPr lang="en-US" smtClean="0"/>
-              <a:t>6/27/2016</a:t>
+              <a:t>6/28/2016</a:t>
             </a:fld>
             <a:endParaRPr lang="en-US"/>
           </a:p>
@@ -4248,7 +7408,7 @@
           <a:p>
             <a:fld id="{B26FA5D4-0961-4AEE-B603-5A3B1DB4BBA9}" type="datetimeFigureOut">
               <a:rPr lang="en-US" smtClean="0"/>
-              <a:t>6/27/2016</a:t>
+              <a:t>6/28/2016</a:t>
             </a:fld>
             <a:endParaRPr lang="en-US"/>
           </a:p>
@@ -4615,7 +7775,7 @@
           <a:p>
             <a:fld id="{B26FA5D4-0961-4AEE-B603-5A3B1DB4BBA9}" type="datetimeFigureOut">
               <a:rPr lang="en-US" smtClean="0"/>
-              <a:t>6/27/2016</a:t>
+              <a:t>6/28/2016</a:t>
             </a:fld>
             <a:endParaRPr lang="en-US"/>
           </a:p>
@@ -4733,7 +7893,7 @@
           <a:p>
             <a:fld id="{B26FA5D4-0961-4AEE-B603-5A3B1DB4BBA9}" type="datetimeFigureOut">
               <a:rPr lang="en-US" smtClean="0"/>
-              <a:t>6/27/2016</a:t>
+              <a:t>6/28/2016</a:t>
             </a:fld>
             <a:endParaRPr lang="en-US"/>
           </a:p>
@@ -4828,7 +7988,7 @@
           <a:p>
             <a:fld id="{B26FA5D4-0961-4AEE-B603-5A3B1DB4BBA9}" type="datetimeFigureOut">
               <a:rPr lang="en-US" smtClean="0"/>
-              <a:t>6/27/2016</a:t>
+              <a:t>6/28/2016</a:t>
             </a:fld>
             <a:endParaRPr lang="en-US"/>
           </a:p>
@@ -5105,7 +8265,7 @@
           <a:p>
             <a:fld id="{B26FA5D4-0961-4AEE-B603-5A3B1DB4BBA9}" type="datetimeFigureOut">
               <a:rPr lang="en-US" smtClean="0"/>
-              <a:t>6/27/2016</a:t>
+              <a:t>6/28/2016</a:t>
             </a:fld>
             <a:endParaRPr lang="en-US"/>
           </a:p>
@@ -5358,7 +8518,7 @@
           <a:p>
             <a:fld id="{B26FA5D4-0961-4AEE-B603-5A3B1DB4BBA9}" type="datetimeFigureOut">
               <a:rPr lang="en-US" smtClean="0"/>
-              <a:t>6/27/2016</a:t>
+              <a:t>6/28/2016</a:t>
             </a:fld>
             <a:endParaRPr lang="en-US"/>
           </a:p>
@@ -5571,7 +8731,7 @@
           <a:p>
             <a:fld id="{B26FA5D4-0961-4AEE-B603-5A3B1DB4BBA9}" type="datetimeFigureOut">
               <a:rPr lang="en-US" smtClean="0"/>
-              <a:t>6/27/2016</a:t>
+              <a:t>6/28/2016</a:t>
             </a:fld>
             <a:endParaRPr lang="en-US"/>
           </a:p>
@@ -6202,43 +9362,6 @@
       </p:sp>
       <p:sp>
         <p:nvSpPr>
-          <p:cNvPr id="7" name="TextBox 6"/>
-          <p:cNvSpPr txBox="1"/>
-          <p:nvPr/>
-        </p:nvSpPr>
-        <p:spPr>
-          <a:xfrm>
-            <a:off x="2992057" y="2968869"/>
-            <a:ext cx="1997954" cy="1077218"/>
-          </a:xfrm>
-          <a:prstGeom prst="rect">
-            <a:avLst/>
-          </a:prstGeom>
-          <a:solidFill>
-            <a:schemeClr val="bg1"/>
-          </a:solidFill>
-        </p:spPr>
-        <p:txBody>
-          <a:bodyPr wrap="square" rtlCol="0">
-            <a:spAutoFit/>
-          </a:bodyPr>
-          <a:lstStyle/>
-          <a:p>
-            <a:pPr algn="ctr" rtl="1"/>
-            <a:r>
-              <a:rPr lang="fa-IR" sz="3200" b="1" dirty="0" smtClean="0">
-                <a:cs typeface="B Nazanin" panose="00000400000000000000" pitchFamily="2" charset="-78"/>
-              </a:rPr>
-              <a:t>اسپارک استریمینگ</a:t>
-            </a:r>
-            <a:endParaRPr lang="en-US" sz="3200" b="1" dirty="0">
-              <a:cs typeface="B Nazanin" panose="00000400000000000000" pitchFamily="2" charset="-78"/>
-            </a:endParaRPr>
-          </a:p>
-        </p:txBody>
-      </p:sp>
-      <p:sp>
-        <p:nvSpPr>
           <p:cNvPr id="8" name="TextBox 7"/>
           <p:cNvSpPr txBox="1"/>
           <p:nvPr/>
@@ -6269,43 +9392,6 @@
               <a:t>دسته‌های داده‌های ورودی</a:t>
             </a:r>
             <a:endParaRPr lang="en-US" sz="2400" b="1" dirty="0">
-              <a:cs typeface="B Nazanin" panose="00000400000000000000" pitchFamily="2" charset="-78"/>
-            </a:endParaRPr>
-          </a:p>
-        </p:txBody>
-      </p:sp>
-      <p:sp>
-        <p:nvSpPr>
-          <p:cNvPr id="9" name="TextBox 8"/>
-          <p:cNvSpPr txBox="1"/>
-          <p:nvPr/>
-        </p:nvSpPr>
-        <p:spPr>
-          <a:xfrm>
-            <a:off x="7315201" y="2970849"/>
-            <a:ext cx="1723633" cy="1077218"/>
-          </a:xfrm>
-          <a:prstGeom prst="rect">
-            <a:avLst/>
-          </a:prstGeom>
-          <a:solidFill>
-            <a:schemeClr val="bg1"/>
-          </a:solidFill>
-        </p:spPr>
-        <p:txBody>
-          <a:bodyPr wrap="square" rtlCol="0">
-            <a:spAutoFit/>
-          </a:bodyPr>
-          <a:lstStyle/>
-          <a:p>
-            <a:pPr algn="ctr" rtl="1"/>
-            <a:r>
-              <a:rPr lang="fa-IR" sz="3200" b="1" dirty="0" smtClean="0">
-                <a:cs typeface="B Nazanin" panose="00000400000000000000" pitchFamily="2" charset="-78"/>
-              </a:rPr>
-              <a:t>موتور اسپارک</a:t>
-            </a:r>
-            <a:endParaRPr lang="en-US" sz="3200" b="1" dirty="0">
               <a:cs typeface="B Nazanin" panose="00000400000000000000" pitchFamily="2" charset="-78"/>
             </a:endParaRPr>
           </a:p>
@@ -6352,6 +9438,160 @@
     <p:extLst>
       <p:ext uri="{BB962C8B-B14F-4D97-AF65-F5344CB8AC3E}">
         <p14:creationId xmlns:p14="http://schemas.microsoft.com/office/powerpoint/2010/main" val="1316890103"/>
+      </p:ext>
+    </p:extLst>
+  </p:cSld>
+  <p:clrMapOvr>
+    <a:masterClrMapping/>
+  </p:clrMapOvr>
+</p:sld>
+</file>
+
+<file path=ppt/slides/slide3.xml><?xml version="1.0" encoding="utf-8"?>
+<p:sld xmlns:a="http://schemas.openxmlformats.org/drawingml/2006/main" xmlns:r="http://schemas.openxmlformats.org/officeDocument/2006/relationships" xmlns:p="http://schemas.openxmlformats.org/presentationml/2006/main">
+  <p:cSld>
+    <p:spTree>
+      <p:nvGrpSpPr>
+        <p:cNvPr id="1" name=""/>
+        <p:cNvGrpSpPr/>
+        <p:nvPr/>
+      </p:nvGrpSpPr>
+      <p:grpSpPr>
+        <a:xfrm>
+          <a:off x="0" y="0"/>
+          <a:ext cx="0" cy="0"/>
+          <a:chOff x="0" y="0"/>
+          <a:chExt cx="0" cy="0"/>
+        </a:xfrm>
+      </p:grpSpPr>
+      <p:graphicFrame>
+        <p:nvGraphicFramePr>
+          <p:cNvPr id="4" name="Diagram 3"/>
+          <p:cNvGraphicFramePr/>
+          <p:nvPr>
+            <p:extLst>
+              <p:ext uri="{D42A27DB-BD31-4B8C-83A1-F6EECF244321}">
+                <p14:modId xmlns:p14="http://schemas.microsoft.com/office/powerpoint/2010/main" val="3140081628"/>
+              </p:ext>
+            </p:extLst>
+          </p:nvPr>
+        </p:nvGraphicFramePr>
+        <p:xfrm>
+          <a:off x="2032000" y="719666"/>
+          <a:ext cx="8128000" cy="5418667"/>
+        </p:xfrm>
+        <a:graphic>
+          <a:graphicData uri="http://schemas.openxmlformats.org/drawingml/2006/diagram">
+            <dgm:relIds xmlns:dgm="http://schemas.openxmlformats.org/drawingml/2006/diagram" xmlns:r="http://schemas.openxmlformats.org/officeDocument/2006/relationships" r:dm="rId2" r:lo="rId3" r:qs="rId4" r:cs="rId5"/>
+          </a:graphicData>
+        </a:graphic>
+      </p:graphicFrame>
+      <p:sp>
+        <p:nvSpPr>
+          <p:cNvPr id="5" name="Rounded Rectangle 4"/>
+          <p:cNvSpPr/>
+          <p:nvPr/>
+        </p:nvSpPr>
+        <p:spPr>
+          <a:xfrm>
+            <a:off x="2032000" y="719666"/>
+            <a:ext cx="3950789" cy="1566334"/>
+          </a:xfrm>
+          <a:prstGeom prst="roundRect">
+            <a:avLst/>
+          </a:prstGeom>
+          <a:solidFill>
+            <a:schemeClr val="accent2"/>
+          </a:solidFill>
+        </p:spPr>
+        <p:style>
+          <a:lnRef idx="2">
+            <a:schemeClr val="accent1">
+              <a:shade val="50000"/>
+            </a:schemeClr>
+          </a:lnRef>
+          <a:fillRef idx="1">
+            <a:schemeClr val="accent1"/>
+          </a:fillRef>
+          <a:effectRef idx="0">
+            <a:schemeClr val="accent1"/>
+          </a:effectRef>
+          <a:fontRef idx="minor">
+            <a:schemeClr val="lt1"/>
+          </a:fontRef>
+        </p:style>
+        <p:txBody>
+          <a:bodyPr rtlCol="0" anchor="ctr"/>
+          <a:lstStyle/>
+          <a:p>
+            <a:pPr algn="ctr"/>
+            <a:r>
+              <a:rPr lang="fa-IR" sz="3300" dirty="0" smtClean="0">
+                <a:cs typeface="B Nazanin" panose="00000400000000000000" pitchFamily="2" charset="-78"/>
+              </a:rPr>
+              <a:t>تعریف‌کننده‌ی عملیات داده‌کاوی</a:t>
+            </a:r>
+            <a:endParaRPr lang="en-US" sz="3300" dirty="0">
+              <a:cs typeface="B Nazanin" panose="00000400000000000000" pitchFamily="2" charset="-78"/>
+            </a:endParaRPr>
+          </a:p>
+        </p:txBody>
+      </p:sp>
+      <p:sp>
+        <p:nvSpPr>
+          <p:cNvPr id="7" name="Rounded Rectangle 6"/>
+          <p:cNvSpPr/>
+          <p:nvPr/>
+        </p:nvSpPr>
+        <p:spPr>
+          <a:xfrm>
+            <a:off x="6191794" y="719666"/>
+            <a:ext cx="3960950" cy="1566334"/>
+          </a:xfrm>
+          <a:prstGeom prst="roundRect">
+            <a:avLst/>
+          </a:prstGeom>
+          <a:solidFill>
+            <a:schemeClr val="accent2"/>
+          </a:solidFill>
+        </p:spPr>
+        <p:style>
+          <a:lnRef idx="2">
+            <a:schemeClr val="accent1">
+              <a:shade val="50000"/>
+            </a:schemeClr>
+          </a:lnRef>
+          <a:fillRef idx="1">
+            <a:schemeClr val="accent1"/>
+          </a:fillRef>
+          <a:effectRef idx="0">
+            <a:schemeClr val="accent1"/>
+          </a:effectRef>
+          <a:fontRef idx="minor">
+            <a:schemeClr val="lt1"/>
+          </a:fontRef>
+        </p:style>
+        <p:txBody>
+          <a:bodyPr rtlCol="0" anchor="ctr"/>
+          <a:lstStyle/>
+          <a:p>
+            <a:pPr algn="ctr"/>
+            <a:r>
+              <a:rPr lang="fa-IR" sz="3300" dirty="0" smtClean="0">
+                <a:cs typeface="B Nazanin" panose="00000400000000000000" pitchFamily="2" charset="-78"/>
+              </a:rPr>
+              <a:t>نمایش‌دهنده‌ی نتایج</a:t>
+            </a:r>
+            <a:endParaRPr lang="en-US" sz="3300" dirty="0">
+              <a:cs typeface="B Nazanin" panose="00000400000000000000" pitchFamily="2" charset="-78"/>
+            </a:endParaRPr>
+          </a:p>
+        </p:txBody>
+      </p:sp>
+    </p:spTree>
+    <p:extLst>
+      <p:ext uri="{BB962C8B-B14F-4D97-AF65-F5344CB8AC3E}">
+        <p14:creationId xmlns:p14="http://schemas.microsoft.com/office/powerpoint/2010/main" val="249085250"/>
       </p:ext>
     </p:extLst>
   </p:cSld>

--- a/Figures.pptx
+++ b/Figures.pptx
@@ -1713,7 +1713,7 @@
             <a:rPr lang="fa-IR" b="1" dirty="0" smtClean="0">
               <a:cs typeface="B Nazanin" panose="00000400000000000000" pitchFamily="2" charset="-78"/>
             </a:rPr>
-            <a:t>گره‌های اجرایی</a:t>
+            <a:t>طرح اجرایی</a:t>
           </a:r>
           <a:endParaRPr lang="en-US" b="1" dirty="0">
             <a:cs typeface="B Nazanin" panose="00000400000000000000" pitchFamily="2" charset="-78"/>
@@ -1757,7 +1757,7 @@
             <a:rPr lang="fa-IR" b="1" dirty="0" smtClean="0">
               <a:cs typeface="B Nazanin" panose="00000400000000000000" pitchFamily="2" charset="-78"/>
             </a:rPr>
-            <a:t>گراف اجرا</a:t>
+            <a:t>طرح منطقی</a:t>
           </a:r>
           <a:endParaRPr lang="en-US" b="1" dirty="0">
             <a:cs typeface="B Nazanin" panose="00000400000000000000" pitchFamily="2" charset="-78"/>
@@ -2564,7 +2564,7 @@
             <a:rPr lang="fa-IR" sz="3000" b="1" kern="1200" dirty="0" smtClean="0">
               <a:cs typeface="B Nazanin" panose="00000400000000000000" pitchFamily="2" charset="-78"/>
             </a:rPr>
-            <a:t>گره‌های اجرایی</a:t>
+            <a:t>طرح اجرایی</a:t>
           </a:r>
           <a:endParaRPr lang="en-US" sz="3000" b="1" kern="1200" dirty="0">
             <a:cs typeface="B Nazanin" panose="00000400000000000000" pitchFamily="2" charset="-78"/>
@@ -2648,7 +2648,7 @@
             <a:rPr lang="fa-IR" sz="3000" b="1" kern="1200" dirty="0" smtClean="0">
               <a:cs typeface="B Nazanin" panose="00000400000000000000" pitchFamily="2" charset="-78"/>
             </a:rPr>
-            <a:t>گراف اجرا</a:t>
+            <a:t>طرح منطقی</a:t>
           </a:r>
           <a:endParaRPr lang="en-US" sz="3000" b="1" kern="1200" dirty="0">
             <a:cs typeface="B Nazanin" panose="00000400000000000000" pitchFamily="2" charset="-78"/>
@@ -9146,7 +9146,7 @@
             <p:ph idx="1"/>
             <p:extLst>
               <p:ext uri="{D42A27DB-BD31-4B8C-83A1-F6EECF244321}">
-                <p14:modId xmlns:p14="http://schemas.microsoft.com/office/powerpoint/2010/main" val="4234431446"/>
+                <p14:modId xmlns:p14="http://schemas.microsoft.com/office/powerpoint/2010/main" val="3045471393"/>
               </p:ext>
             </p:extLst>
           </p:nvPr>
